--- a/Lecture_8_Docker/Docker_Container.pptx
+++ b/Lecture_8_Docker/Docker_Container.pptx
@@ -5,14 +5,16 @@
     <p:sldMasterId id="2147483660" r:id="rId1"/>
   </p:sldMasterIdLst>
   <p:notesMasterIdLst>
-    <p:notesMasterId r:id="rId7"/>
+    <p:notesMasterId r:id="rId9"/>
   </p:notesMasterIdLst>
   <p:sldIdLst>
     <p:sldId id="256" r:id="rId2"/>
     <p:sldId id="263" r:id="rId3"/>
-    <p:sldId id="277" r:id="rId4"/>
-    <p:sldId id="276" r:id="rId5"/>
-    <p:sldId id="264" r:id="rId6"/>
+    <p:sldId id="278" r:id="rId4"/>
+    <p:sldId id="277" r:id="rId5"/>
+    <p:sldId id="276" r:id="rId6"/>
+    <p:sldId id="264" r:id="rId7"/>
+    <p:sldId id="279" r:id="rId8"/>
   </p:sldIdLst>
   <p:sldSz cx="12192000" cy="6858000"/>
   <p:notesSz cx="6858000" cy="9144000"/>
@@ -118,9 +120,11 @@
           <p14:sldIdLst>
             <p14:sldId id="256"/>
             <p14:sldId id="263"/>
+            <p14:sldId id="278"/>
             <p14:sldId id="277"/>
             <p14:sldId id="276"/>
             <p14:sldId id="264"/>
+            <p14:sldId id="279"/>
           </p14:sldIdLst>
         </p14:section>
       </p14:sectionLst>
@@ -226,7 +230,7 @@
           <a:p>
             <a:fld id="{07D895DB-E61D-4CE9-9710-80DFE93F382F}" type="datetimeFigureOut">
               <a:rPr lang="en-US" smtClean="0"/>
-              <a:t>9/2/2019</a:t>
+              <a:t>10/13/2019</a:t>
             </a:fld>
             <a:endParaRPr lang="en-US"/>
           </a:p>
@@ -491,6 +495,2113 @@
     </a:lvl9pPr>
   </p:notesStyle>
 </p:notesMaster>
+</file>
+
+<file path=ppt/notesSlides/notesSlide1.xml><?xml version="1.0" encoding="utf-8"?>
+<p:notes xmlns:a="http://schemas.openxmlformats.org/drawingml/2006/main" xmlns:r="http://schemas.openxmlformats.org/officeDocument/2006/relationships" xmlns:p="http://schemas.openxmlformats.org/presentationml/2006/main">
+  <p:cSld>
+    <p:spTree>
+      <p:nvGrpSpPr>
+        <p:cNvPr id="1" name=""/>
+        <p:cNvGrpSpPr/>
+        <p:nvPr/>
+      </p:nvGrpSpPr>
+      <p:grpSpPr>
+        <a:xfrm>
+          <a:off x="0" y="0"/>
+          <a:ext cx="0" cy="0"/>
+          <a:chOff x="0" y="0"/>
+          <a:chExt cx="0" cy="0"/>
+        </a:xfrm>
+      </p:grpSpPr>
+      <p:sp>
+        <p:nvSpPr>
+          <p:cNvPr id="2" name="Slide Image Placeholder 1"/>
+          <p:cNvSpPr>
+            <a:spLocks noGrp="1" noRot="1" noChangeAspect="1"/>
+          </p:cNvSpPr>
+          <p:nvPr>
+            <p:ph type="sldImg"/>
+          </p:nvPr>
+        </p:nvSpPr>
+        <p:spPr/>
+      </p:sp>
+      <p:sp>
+        <p:nvSpPr>
+          <p:cNvPr id="3" name="Notes Placeholder 2"/>
+          <p:cNvSpPr>
+            <a:spLocks noGrp="1"/>
+          </p:cNvSpPr>
+          <p:nvPr>
+            <p:ph type="body" idx="1"/>
+          </p:nvPr>
+        </p:nvSpPr>
+        <p:spPr/>
+        <p:txBody>
+          <a:bodyPr/>
+          <a:lstStyle/>
+          <a:p>
+            <a:endParaRPr lang="en-US" dirty="0"/>
+          </a:p>
+        </p:txBody>
+      </p:sp>
+      <p:sp>
+        <p:nvSpPr>
+          <p:cNvPr id="4" name="Slide Number Placeholder 3"/>
+          <p:cNvSpPr>
+            <a:spLocks noGrp="1"/>
+          </p:cNvSpPr>
+          <p:nvPr>
+            <p:ph type="sldNum" sz="quarter" idx="5"/>
+          </p:nvPr>
+        </p:nvSpPr>
+        <p:spPr/>
+        <p:txBody>
+          <a:bodyPr/>
+          <a:lstStyle/>
+          <a:p>
+            <a:fld id="{854849D2-CA60-4E91-8A83-9389C3F76D2A}" type="slidenum">
+              <a:rPr lang="en-US" smtClean="0"/>
+              <a:t>1</a:t>
+            </a:fld>
+            <a:endParaRPr lang="en-US"/>
+          </a:p>
+        </p:txBody>
+      </p:sp>
+    </p:spTree>
+    <p:extLst>
+      <p:ext uri="{BB962C8B-B14F-4D97-AF65-F5344CB8AC3E}">
+        <p14:creationId xmlns:p14="http://schemas.microsoft.com/office/powerpoint/2010/main" val="3911907731"/>
+      </p:ext>
+    </p:extLst>
+  </p:cSld>
+  <p:clrMapOvr>
+    <a:masterClrMapping/>
+  </p:clrMapOvr>
+</p:notes>
+</file>
+
+<file path=ppt/notesSlides/notesSlide2.xml><?xml version="1.0" encoding="utf-8"?>
+<p:notes xmlns:a="http://schemas.openxmlformats.org/drawingml/2006/main" xmlns:r="http://schemas.openxmlformats.org/officeDocument/2006/relationships" xmlns:p="http://schemas.openxmlformats.org/presentationml/2006/main">
+  <p:cSld>
+    <p:spTree>
+      <p:nvGrpSpPr>
+        <p:cNvPr id="1" name=""/>
+        <p:cNvGrpSpPr/>
+        <p:nvPr/>
+      </p:nvGrpSpPr>
+      <p:grpSpPr>
+        <a:xfrm>
+          <a:off x="0" y="0"/>
+          <a:ext cx="0" cy="0"/>
+          <a:chOff x="0" y="0"/>
+          <a:chExt cx="0" cy="0"/>
+        </a:xfrm>
+      </p:grpSpPr>
+      <p:sp>
+        <p:nvSpPr>
+          <p:cNvPr id="2" name="Slide Image Placeholder 1"/>
+          <p:cNvSpPr>
+            <a:spLocks noGrp="1" noRot="1" noChangeAspect="1"/>
+          </p:cNvSpPr>
+          <p:nvPr>
+            <p:ph type="sldImg"/>
+          </p:nvPr>
+        </p:nvSpPr>
+        <p:spPr/>
+      </p:sp>
+      <p:sp>
+        <p:nvSpPr>
+          <p:cNvPr id="3" name="Notes Placeholder 2"/>
+          <p:cNvSpPr>
+            <a:spLocks noGrp="1"/>
+          </p:cNvSpPr>
+          <p:nvPr>
+            <p:ph type="body" idx="1"/>
+          </p:nvPr>
+        </p:nvSpPr>
+        <p:spPr/>
+        <p:txBody>
+          <a:bodyPr/>
+          <a:lstStyle/>
+          <a:p>
+            <a:r>
+              <a:rPr lang="en-US" sz="1200" b="0" i="0" kern="1200" dirty="0">
+                <a:solidFill>
+                  <a:schemeClr val="tx1"/>
+                </a:solidFill>
+                <a:effectLst/>
+                <a:latin typeface="+mn-lt"/>
+                <a:ea typeface="+mn-ea"/>
+                <a:cs typeface="+mn-cs"/>
+              </a:rPr>
+              <a:t>A </a:t>
+            </a:r>
+            <a:r>
+              <a:rPr lang="en-US" sz="1200" b="1" i="0" kern="1200" dirty="0">
+                <a:solidFill>
+                  <a:schemeClr val="tx1"/>
+                </a:solidFill>
+                <a:effectLst/>
+                <a:latin typeface="+mn-lt"/>
+                <a:ea typeface="+mn-ea"/>
+                <a:cs typeface="+mn-cs"/>
+              </a:rPr>
+              <a:t>Docker container image </a:t>
+            </a:r>
+            <a:r>
+              <a:rPr lang="en-US" sz="1200" b="0" i="0" kern="1200" dirty="0">
+                <a:solidFill>
+                  <a:schemeClr val="tx1"/>
+                </a:solidFill>
+                <a:effectLst/>
+                <a:latin typeface="+mn-lt"/>
+                <a:ea typeface="+mn-ea"/>
+                <a:cs typeface="+mn-cs"/>
+              </a:rPr>
+              <a:t>is a lightweight, standalone, executable package of software that includes everything needed to run an application: code, runtime, system tools, system libraries and settings.</a:t>
+            </a:r>
+          </a:p>
+          <a:p>
+            <a:r>
+              <a:rPr lang="en-US" sz="1200" b="0" i="0" kern="1200" dirty="0">
+                <a:solidFill>
+                  <a:schemeClr val="tx1"/>
+                </a:solidFill>
+                <a:effectLst/>
+                <a:latin typeface="+mn-lt"/>
+                <a:ea typeface="+mn-ea"/>
+                <a:cs typeface="+mn-cs"/>
+              </a:rPr>
+              <a:t>Container images become containers at runtime and in the case of Docker containers - images become containers when they run on </a:t>
+            </a:r>
+            <a:r>
+              <a:rPr lang="en-US" sz="1200" b="0" i="0" u="none" strike="noStrike" kern="1200" dirty="0">
+                <a:solidFill>
+                  <a:schemeClr val="tx1"/>
+                </a:solidFill>
+                <a:effectLst/>
+                <a:latin typeface="+mn-lt"/>
+                <a:ea typeface="+mn-ea"/>
+                <a:cs typeface="+mn-cs"/>
+                <a:hlinkClick r:id="rId3"/>
+              </a:rPr>
+              <a:t>Docker Engine</a:t>
+            </a:r>
+            <a:endParaRPr lang="en-US" sz="1200" b="0" i="0" u="none" strike="noStrike" kern="1200" dirty="0">
+              <a:solidFill>
+                <a:schemeClr val="tx1"/>
+              </a:solidFill>
+              <a:effectLst/>
+              <a:latin typeface="+mn-lt"/>
+              <a:ea typeface="+mn-ea"/>
+              <a:cs typeface="+mn-cs"/>
+            </a:endParaRPr>
+          </a:p>
+          <a:p>
+            <a:endParaRPr lang="en-US" sz="1200" b="1" i="0" kern="1200" dirty="0">
+              <a:solidFill>
+                <a:schemeClr val="tx1"/>
+              </a:solidFill>
+              <a:effectLst/>
+              <a:latin typeface="+mn-lt"/>
+              <a:ea typeface="+mn-ea"/>
+              <a:cs typeface="+mn-cs"/>
+            </a:endParaRPr>
+          </a:p>
+          <a:p>
+            <a:r>
+              <a:rPr lang="en-US" sz="1200" b="1" i="0" kern="1200" dirty="0">
+                <a:solidFill>
+                  <a:schemeClr val="tx1"/>
+                </a:solidFill>
+                <a:effectLst/>
+                <a:latin typeface="+mn-lt"/>
+                <a:ea typeface="+mn-ea"/>
+                <a:cs typeface="+mn-cs"/>
+              </a:rPr>
+              <a:t>Docker </a:t>
+            </a:r>
+            <a:r>
+              <a:rPr lang="en-US" sz="1200" b="0" i="0" kern="1200" dirty="0">
+                <a:solidFill>
+                  <a:schemeClr val="tx1"/>
+                </a:solidFill>
+                <a:effectLst/>
+                <a:latin typeface="+mn-lt"/>
+                <a:ea typeface="+mn-ea"/>
+                <a:cs typeface="+mn-cs"/>
+              </a:rPr>
+              <a:t>is container-based technology and containers are just user space of the operating system. At the low level, a container is just a set of processes that are isolated from the rest of the system, running from a distinct image that provides all files necessary to support the processes. It is built for running applications. In Docker, the containers running share the host OS kernel</a:t>
+            </a:r>
+            <a:r>
+              <a:rPr lang="en-US" sz="1200" b="0" i="1" kern="1200" dirty="0">
+                <a:solidFill>
+                  <a:schemeClr val="tx1"/>
+                </a:solidFill>
+                <a:effectLst/>
+                <a:latin typeface="+mn-lt"/>
+                <a:ea typeface="+mn-ea"/>
+                <a:cs typeface="+mn-cs"/>
+              </a:rPr>
+              <a:t>. Docker is an open-source project based on Linux containers. It uses Linux Kernel features like namespaces and control groups to create containers on top of an operating system. Docker enclose an application’s software into an invisible box with everything it needs to run like OS, application code, Run-time, system tools and libraries etc. Docker containers are built off Docker images and the images are read-only, So Docker adds a read-write file system over the read-only file system of the image to create a container</a:t>
+            </a:r>
+            <a:r>
+              <a:rPr lang="en-US" sz="1200" b="0" i="0" kern="1200" dirty="0">
+                <a:solidFill>
+                  <a:schemeClr val="tx1"/>
+                </a:solidFill>
+                <a:effectLst/>
+                <a:latin typeface="+mn-lt"/>
+                <a:ea typeface="+mn-ea"/>
+                <a:cs typeface="+mn-cs"/>
+              </a:rPr>
+              <a:t>. Docker is currently the most popular container and why its so popular, different architecture components, use cases will describe in details in below sections.</a:t>
+            </a:r>
+            <a:endParaRPr lang="en-US" dirty="0"/>
+          </a:p>
+          <a:p>
+            <a:endParaRPr lang="en-US" dirty="0"/>
+          </a:p>
+          <a:p>
+            <a:r>
+              <a:rPr lang="en-US" sz="1200" b="1" i="0" kern="1200" dirty="0">
+                <a:solidFill>
+                  <a:schemeClr val="tx1"/>
+                </a:solidFill>
+                <a:effectLst/>
+                <a:latin typeface="+mn-lt"/>
+                <a:ea typeface="+mn-ea"/>
+                <a:cs typeface="+mn-cs"/>
+              </a:rPr>
+              <a:t>Docker Client:</a:t>
+            </a:r>
+            <a:r>
+              <a:rPr lang="en-US" sz="1200" b="0" i="0" kern="1200" dirty="0">
+                <a:solidFill>
+                  <a:schemeClr val="tx1"/>
+                </a:solidFill>
+                <a:effectLst/>
+                <a:latin typeface="+mn-lt"/>
+                <a:ea typeface="+mn-ea"/>
+                <a:cs typeface="+mn-cs"/>
+              </a:rPr>
+              <a:t> This is the CLI (Command Line Interface) tool used to configure and interact with Docker. Whenever developers or users use the commands like docker run   the client sends these commands to Docker daemon (</a:t>
+            </a:r>
+            <a:r>
+              <a:rPr lang="en-US" sz="1200" b="0" i="0" kern="1200" dirty="0" err="1">
+                <a:solidFill>
+                  <a:schemeClr val="tx1"/>
+                </a:solidFill>
+                <a:effectLst/>
+                <a:latin typeface="+mn-lt"/>
+                <a:ea typeface="+mn-ea"/>
+                <a:cs typeface="+mn-cs"/>
+              </a:rPr>
+              <a:t>dockerd</a:t>
+            </a:r>
+            <a:r>
+              <a:rPr lang="en-US" sz="1200" b="0" i="0" kern="1200" dirty="0">
+                <a:solidFill>
+                  <a:schemeClr val="tx1"/>
+                </a:solidFill>
+                <a:effectLst/>
+                <a:latin typeface="+mn-lt"/>
+                <a:ea typeface="+mn-ea"/>
+                <a:cs typeface="+mn-cs"/>
+              </a:rPr>
+              <a:t>) which carries them out. The docker command uses the Docker API and the Docker client can communicate with more than one daemon.</a:t>
+            </a:r>
+          </a:p>
+          <a:p>
+            <a:r>
+              <a:rPr lang="en-US" sz="1200" b="1" i="0" kern="1200" dirty="0">
+                <a:solidFill>
+                  <a:schemeClr val="tx1"/>
+                </a:solidFill>
+                <a:effectLst/>
+                <a:latin typeface="+mn-lt"/>
+                <a:ea typeface="+mn-ea"/>
+                <a:cs typeface="+mn-cs"/>
+              </a:rPr>
+              <a:t>Docker Daemon: </a:t>
+            </a:r>
+            <a:r>
+              <a:rPr lang="en-US" sz="1200" b="0" i="0" kern="1200" dirty="0">
+                <a:solidFill>
+                  <a:schemeClr val="tx1"/>
+                </a:solidFill>
+                <a:effectLst/>
+                <a:latin typeface="+mn-lt"/>
+                <a:ea typeface="+mn-ea"/>
+                <a:cs typeface="+mn-cs"/>
+              </a:rPr>
+              <a:t>This is the Docker server which runs as the daemon. This daemon listens to API requests and manages Docker objects (images, containers, networks, and volumes). A daemon can also communicate with other daemons to manage Docker services.</a:t>
+            </a:r>
+          </a:p>
+          <a:p>
+            <a:r>
+              <a:rPr lang="en-US" sz="1200" b="1" i="0" kern="1200" dirty="0">
+                <a:solidFill>
+                  <a:schemeClr val="tx1"/>
+                </a:solidFill>
+                <a:effectLst/>
+                <a:latin typeface="+mn-lt"/>
+                <a:ea typeface="+mn-ea"/>
+                <a:cs typeface="+mn-cs"/>
+              </a:rPr>
+              <a:t>Images:</a:t>
+            </a:r>
+            <a:r>
+              <a:rPr lang="en-US" sz="1200" b="0" i="0" kern="1200" dirty="0">
+                <a:solidFill>
+                  <a:schemeClr val="tx1"/>
+                </a:solidFill>
+                <a:effectLst/>
+                <a:latin typeface="+mn-lt"/>
+                <a:ea typeface="+mn-ea"/>
+                <a:cs typeface="+mn-cs"/>
+              </a:rPr>
+              <a:t> Images are the read-only template/snapshot used to create a Docker container and these Images can be pushed to and pulled from public or private repositories. This is the build component of docker. Images are lightweight, small, and fast as compared to Virtual Machine Images.</a:t>
+            </a:r>
+          </a:p>
+          <a:p>
+            <a:r>
+              <a:rPr lang="en-US" sz="1200" b="1" i="0" kern="1200" dirty="0">
+                <a:solidFill>
+                  <a:schemeClr val="tx1"/>
+                </a:solidFill>
+                <a:effectLst/>
+                <a:latin typeface="+mn-lt"/>
+                <a:ea typeface="+mn-ea"/>
+                <a:cs typeface="+mn-cs"/>
+              </a:rPr>
+              <a:t>Docker file:</a:t>
+            </a:r>
+            <a:r>
+              <a:rPr lang="en-US" sz="1200" b="0" i="0" kern="1200" dirty="0">
+                <a:solidFill>
+                  <a:schemeClr val="tx1"/>
+                </a:solidFill>
+                <a:effectLst/>
+                <a:latin typeface="+mn-lt"/>
+                <a:ea typeface="+mn-ea"/>
+                <a:cs typeface="+mn-cs"/>
+              </a:rPr>
+              <a:t> Used for building images</a:t>
+            </a:r>
+          </a:p>
+          <a:p>
+            <a:r>
+              <a:rPr lang="en-US" sz="1200" b="1" i="0" kern="1200" dirty="0">
+                <a:solidFill>
+                  <a:schemeClr val="tx1"/>
+                </a:solidFill>
+                <a:effectLst/>
+                <a:latin typeface="+mn-lt"/>
+                <a:ea typeface="+mn-ea"/>
+                <a:cs typeface="+mn-cs"/>
+              </a:rPr>
+              <a:t>Containers:</a:t>
+            </a:r>
+            <a:r>
+              <a:rPr lang="en-US" sz="1200" b="0" i="0" kern="1200" dirty="0">
+                <a:solidFill>
+                  <a:schemeClr val="tx1"/>
+                </a:solidFill>
+                <a:effectLst/>
+                <a:latin typeface="+mn-lt"/>
+                <a:ea typeface="+mn-ea"/>
+                <a:cs typeface="+mn-cs"/>
+              </a:rPr>
+              <a:t> Applications run using containers and containers are the running instance of an image. We can create, run, stop, move, or delete a container using the CLI and also can connect a container to one or more networks, attach storage to it, or even create a new image based on its current state.</a:t>
+            </a:r>
+          </a:p>
+          <a:p>
+            <a:r>
+              <a:rPr lang="en-US" sz="1200" b="1" i="0" kern="1200" dirty="0">
+                <a:solidFill>
+                  <a:schemeClr val="tx1"/>
+                </a:solidFill>
+                <a:effectLst/>
+                <a:latin typeface="+mn-lt"/>
+                <a:ea typeface="+mn-ea"/>
+                <a:cs typeface="+mn-cs"/>
+              </a:rPr>
+              <a:t>Docker Registries:</a:t>
+            </a:r>
+            <a:r>
+              <a:rPr lang="en-US" sz="1200" b="0" i="0" kern="1200" dirty="0">
+                <a:solidFill>
+                  <a:schemeClr val="tx1"/>
+                </a:solidFill>
+                <a:effectLst/>
+                <a:latin typeface="+mn-lt"/>
+                <a:ea typeface="+mn-ea"/>
+                <a:cs typeface="+mn-cs"/>
+              </a:rPr>
+              <a:t> This is the distribution component of docker or called as Central repository of Docker images which stores Docker images. Docker Hub and Docker Cloud are public registries that anyone can use, and Docker is configured to look for images on Docker Hub by default. When we use the docker pull or docker run commands then the required images are pulled from our configured registry. When we use the docker push command, our image is pushed to our configured registry. We can upgrade the application by pulling the new version of the image and redeploying the containers.</a:t>
+            </a:r>
+          </a:p>
+          <a:p>
+            <a:r>
+              <a:rPr lang="en-US" sz="1200" b="1" i="0" kern="1200" dirty="0">
+                <a:solidFill>
+                  <a:schemeClr val="tx1"/>
+                </a:solidFill>
+                <a:effectLst/>
+                <a:latin typeface="+mn-lt"/>
+                <a:ea typeface="+mn-ea"/>
+                <a:cs typeface="+mn-cs"/>
+              </a:rPr>
+              <a:t>Docker Engine:</a:t>
+            </a:r>
+            <a:r>
+              <a:rPr lang="en-US" sz="1200" b="0" i="0" kern="1200" dirty="0">
+                <a:solidFill>
+                  <a:schemeClr val="tx1"/>
+                </a:solidFill>
+                <a:effectLst/>
+                <a:latin typeface="+mn-lt"/>
+                <a:ea typeface="+mn-ea"/>
+                <a:cs typeface="+mn-cs"/>
+              </a:rPr>
+              <a:t> Combination of Docker daemon, Rest API and CLI tool</a:t>
+            </a:r>
+          </a:p>
+          <a:p>
+            <a:endParaRPr lang="en-US" dirty="0"/>
+          </a:p>
+        </p:txBody>
+      </p:sp>
+      <p:sp>
+        <p:nvSpPr>
+          <p:cNvPr id="4" name="Slide Number Placeholder 3"/>
+          <p:cNvSpPr>
+            <a:spLocks noGrp="1"/>
+          </p:cNvSpPr>
+          <p:nvPr>
+            <p:ph type="sldNum" sz="quarter" idx="5"/>
+          </p:nvPr>
+        </p:nvSpPr>
+        <p:spPr/>
+        <p:txBody>
+          <a:bodyPr/>
+          <a:lstStyle/>
+          <a:p>
+            <a:fld id="{854849D2-CA60-4E91-8A83-9389C3F76D2A}" type="slidenum">
+              <a:rPr lang="en-US" smtClean="0"/>
+              <a:t>2</a:t>
+            </a:fld>
+            <a:endParaRPr lang="en-US"/>
+          </a:p>
+        </p:txBody>
+      </p:sp>
+    </p:spTree>
+    <p:extLst>
+      <p:ext uri="{BB962C8B-B14F-4D97-AF65-F5344CB8AC3E}">
+        <p14:creationId xmlns:p14="http://schemas.microsoft.com/office/powerpoint/2010/main" val="3389843081"/>
+      </p:ext>
+    </p:extLst>
+  </p:cSld>
+  <p:clrMapOvr>
+    <a:masterClrMapping/>
+  </p:clrMapOvr>
+</p:notes>
+</file>
+
+<file path=ppt/notesSlides/notesSlide3.xml><?xml version="1.0" encoding="utf-8"?>
+<p:notes xmlns:a="http://schemas.openxmlformats.org/drawingml/2006/main" xmlns:r="http://schemas.openxmlformats.org/officeDocument/2006/relationships" xmlns:p="http://schemas.openxmlformats.org/presentationml/2006/main">
+  <p:cSld>
+    <p:spTree>
+      <p:nvGrpSpPr>
+        <p:cNvPr id="1" name=""/>
+        <p:cNvGrpSpPr/>
+        <p:nvPr/>
+      </p:nvGrpSpPr>
+      <p:grpSpPr>
+        <a:xfrm>
+          <a:off x="0" y="0"/>
+          <a:ext cx="0" cy="0"/>
+          <a:chOff x="0" y="0"/>
+          <a:chExt cx="0" cy="0"/>
+        </a:xfrm>
+      </p:grpSpPr>
+      <p:sp>
+        <p:nvSpPr>
+          <p:cNvPr id="2" name="Slide Image Placeholder 1"/>
+          <p:cNvSpPr>
+            <a:spLocks noGrp="1" noRot="1" noChangeAspect="1"/>
+          </p:cNvSpPr>
+          <p:nvPr>
+            <p:ph type="sldImg"/>
+          </p:nvPr>
+        </p:nvSpPr>
+        <p:spPr/>
+      </p:sp>
+      <p:sp>
+        <p:nvSpPr>
+          <p:cNvPr id="3" name="Notes Placeholder 2"/>
+          <p:cNvSpPr>
+            <a:spLocks noGrp="1"/>
+          </p:cNvSpPr>
+          <p:nvPr>
+            <p:ph type="body" idx="1"/>
+          </p:nvPr>
+        </p:nvSpPr>
+        <p:spPr/>
+        <p:txBody>
+          <a:bodyPr/>
+          <a:lstStyle/>
+          <a:p>
+            <a:endParaRPr lang="en-US" sz="1200" b="0" i="0" u="none" strike="noStrike" kern="1200" dirty="0">
+              <a:solidFill>
+                <a:schemeClr val="tx1"/>
+              </a:solidFill>
+              <a:effectLst/>
+              <a:latin typeface="+mn-lt"/>
+              <a:ea typeface="+mn-ea"/>
+              <a:cs typeface="+mn-cs"/>
+            </a:endParaRPr>
+          </a:p>
+          <a:p>
+            <a:r>
+              <a:rPr lang="en-US" sz="1200" b="1" i="0" kern="1200" dirty="0">
+                <a:solidFill>
+                  <a:schemeClr val="tx1"/>
+                </a:solidFill>
+                <a:effectLst/>
+                <a:latin typeface="+mn-lt"/>
+                <a:ea typeface="+mn-ea"/>
+                <a:cs typeface="+mn-cs"/>
+              </a:rPr>
+              <a:t>Standard(preferable):</a:t>
+            </a:r>
+            <a:r>
+              <a:rPr lang="en-US" sz="1200" b="0" i="0" kern="1200" dirty="0">
+                <a:solidFill>
+                  <a:schemeClr val="tx1"/>
+                </a:solidFill>
+                <a:effectLst/>
+                <a:latin typeface="+mn-lt"/>
+                <a:ea typeface="+mn-ea"/>
+                <a:cs typeface="+mn-cs"/>
+              </a:rPr>
+              <a:t> Docker created the industry standard for containers, so they could be portable anywhere</a:t>
+            </a:r>
+          </a:p>
+          <a:p>
+            <a:r>
+              <a:rPr lang="en-US" sz="1200" b="0" i="0" kern="1200" dirty="0">
+                <a:solidFill>
+                  <a:schemeClr val="tx1"/>
+                </a:solidFill>
+                <a:effectLst/>
+                <a:latin typeface="+mn-lt"/>
+                <a:ea typeface="+mn-ea"/>
+                <a:cs typeface="+mn-cs"/>
+              </a:rPr>
+              <a:t>Lightweight</a:t>
+            </a:r>
+            <a:r>
+              <a:rPr lang="en-US" sz="1200" b="1" i="0" kern="1200" dirty="0">
+                <a:solidFill>
+                  <a:schemeClr val="tx1"/>
+                </a:solidFill>
+                <a:effectLst/>
+                <a:latin typeface="+mn-lt"/>
+                <a:ea typeface="+mn-ea"/>
+                <a:cs typeface="+mn-cs"/>
+              </a:rPr>
+              <a:t>:</a:t>
+            </a:r>
+            <a:r>
+              <a:rPr lang="en-US" sz="1200" b="0" i="0" kern="1200" dirty="0">
+                <a:solidFill>
+                  <a:schemeClr val="tx1"/>
+                </a:solidFill>
+                <a:effectLst/>
+                <a:latin typeface="+mn-lt"/>
+                <a:ea typeface="+mn-ea"/>
+                <a:cs typeface="+mn-cs"/>
+              </a:rPr>
+              <a:t> Containers share the machine’s OS system kernel and therefore do not require an OS per application, driving higher server efficiencies and reducing server and licensing costs</a:t>
+            </a:r>
+          </a:p>
+          <a:p>
+            <a:endParaRPr lang="en-US" dirty="0"/>
+          </a:p>
+          <a:p>
+            <a:r>
+              <a:rPr lang="en-US" sz="1200" b="0" i="0" kern="1200" dirty="0">
+                <a:solidFill>
+                  <a:schemeClr val="tx1"/>
+                </a:solidFill>
+                <a:effectLst/>
+                <a:latin typeface="+mn-lt"/>
+                <a:ea typeface="+mn-ea"/>
+                <a:cs typeface="+mn-cs"/>
+              </a:rPr>
+              <a:t>Docker container technology was launched in 2013</a:t>
+            </a:r>
+          </a:p>
+          <a:p>
+            <a:endParaRPr lang="en-US" dirty="0"/>
+          </a:p>
+          <a:p>
+            <a:r>
+              <a:rPr lang="en-US" sz="1200" b="1" i="0" kern="1200" dirty="0">
+                <a:solidFill>
+                  <a:schemeClr val="tx1"/>
+                </a:solidFill>
+                <a:effectLst/>
+                <a:latin typeface="+mn-lt"/>
+                <a:ea typeface="+mn-ea"/>
+                <a:cs typeface="+mn-cs"/>
+              </a:rPr>
+              <a:t>CONTAINERS</a:t>
+            </a:r>
+          </a:p>
+          <a:p>
+            <a:r>
+              <a:rPr lang="en-US" sz="1200" b="0" i="0" kern="1200" dirty="0">
+                <a:solidFill>
+                  <a:schemeClr val="tx1"/>
+                </a:solidFill>
+                <a:effectLst/>
+                <a:latin typeface="+mn-lt"/>
+                <a:ea typeface="+mn-ea"/>
+                <a:cs typeface="+mn-cs"/>
+              </a:rPr>
+              <a:t>Containers are an abstraction at the app layer that packages code and dependencies together. Multiple containers can run on the same machine and share the OS kernel with other containers, each running as isolated processes in user space. Containers take up less space than VMs (container images are typically tens of MBs in size), can handle more applications and require fewer VMs and Operating systems</a:t>
+            </a:r>
+          </a:p>
+          <a:p>
+            <a:endParaRPr lang="en-US" dirty="0"/>
+          </a:p>
+          <a:p>
+            <a:endParaRPr lang="en-US" dirty="0"/>
+          </a:p>
+        </p:txBody>
+      </p:sp>
+      <p:sp>
+        <p:nvSpPr>
+          <p:cNvPr id="4" name="Slide Number Placeholder 3"/>
+          <p:cNvSpPr>
+            <a:spLocks noGrp="1"/>
+          </p:cNvSpPr>
+          <p:nvPr>
+            <p:ph type="sldNum" sz="quarter" idx="5"/>
+          </p:nvPr>
+        </p:nvSpPr>
+        <p:spPr/>
+        <p:txBody>
+          <a:bodyPr/>
+          <a:lstStyle/>
+          <a:p>
+            <a:fld id="{854849D2-CA60-4E91-8A83-9389C3F76D2A}" type="slidenum">
+              <a:rPr lang="en-US" smtClean="0"/>
+              <a:t>3</a:t>
+            </a:fld>
+            <a:endParaRPr lang="en-US"/>
+          </a:p>
+        </p:txBody>
+      </p:sp>
+    </p:spTree>
+    <p:extLst>
+      <p:ext uri="{BB962C8B-B14F-4D97-AF65-F5344CB8AC3E}">
+        <p14:creationId xmlns:p14="http://schemas.microsoft.com/office/powerpoint/2010/main" val="784796065"/>
+      </p:ext>
+    </p:extLst>
+  </p:cSld>
+  <p:clrMapOvr>
+    <a:masterClrMapping/>
+  </p:clrMapOvr>
+</p:notes>
+</file>
+
+<file path=ppt/notesSlides/notesSlide4.xml><?xml version="1.0" encoding="utf-8"?>
+<p:notes xmlns:a="http://schemas.openxmlformats.org/drawingml/2006/main" xmlns:r="http://schemas.openxmlformats.org/officeDocument/2006/relationships" xmlns:p="http://schemas.openxmlformats.org/presentationml/2006/main">
+  <p:cSld>
+    <p:spTree>
+      <p:nvGrpSpPr>
+        <p:cNvPr id="1" name=""/>
+        <p:cNvGrpSpPr/>
+        <p:nvPr/>
+      </p:nvGrpSpPr>
+      <p:grpSpPr>
+        <a:xfrm>
+          <a:off x="0" y="0"/>
+          <a:ext cx="0" cy="0"/>
+          <a:chOff x="0" y="0"/>
+          <a:chExt cx="0" cy="0"/>
+        </a:xfrm>
+      </p:grpSpPr>
+      <p:sp>
+        <p:nvSpPr>
+          <p:cNvPr id="2" name="Slide Image Placeholder 1"/>
+          <p:cNvSpPr>
+            <a:spLocks noGrp="1" noRot="1" noChangeAspect="1"/>
+          </p:cNvSpPr>
+          <p:nvPr>
+            <p:ph type="sldImg"/>
+          </p:nvPr>
+        </p:nvSpPr>
+        <p:spPr/>
+      </p:sp>
+      <p:sp>
+        <p:nvSpPr>
+          <p:cNvPr id="3" name="Notes Placeholder 2"/>
+          <p:cNvSpPr>
+            <a:spLocks noGrp="1"/>
+          </p:cNvSpPr>
+          <p:nvPr>
+            <p:ph type="body" idx="1"/>
+          </p:nvPr>
+        </p:nvSpPr>
+        <p:spPr/>
+        <p:txBody>
+          <a:bodyPr/>
+          <a:lstStyle/>
+          <a:p>
+            <a:r>
+              <a:rPr lang="en-US" sz="1200" b="0" i="0" kern="1200" dirty="0">
+                <a:solidFill>
+                  <a:schemeClr val="tx1"/>
+                </a:solidFill>
+                <a:effectLst/>
+                <a:latin typeface="+mn-lt"/>
+                <a:ea typeface="+mn-ea"/>
+                <a:cs typeface="+mn-cs"/>
+              </a:rPr>
+              <a:t>Docker engine running in the terminal tried to find an </a:t>
+            </a:r>
+            <a:r>
+              <a:rPr lang="en-US" sz="1200" b="1" i="0" kern="1200" dirty="0">
+                <a:solidFill>
+                  <a:schemeClr val="tx1"/>
+                </a:solidFill>
+                <a:effectLst/>
+                <a:latin typeface="+mn-lt"/>
+                <a:ea typeface="+mn-ea"/>
+                <a:cs typeface="+mn-cs"/>
+              </a:rPr>
+              <a:t>image</a:t>
+            </a:r>
+            <a:r>
+              <a:rPr lang="en-US" sz="1200" b="0" i="0" kern="1200" dirty="0">
+                <a:solidFill>
+                  <a:schemeClr val="tx1"/>
+                </a:solidFill>
+                <a:effectLst/>
+                <a:latin typeface="+mn-lt"/>
+                <a:ea typeface="+mn-ea"/>
+                <a:cs typeface="+mn-cs"/>
+              </a:rPr>
+              <a:t> named </a:t>
+            </a:r>
+            <a:r>
+              <a:rPr lang="en-US" sz="1200" b="1" i="0" kern="1200" dirty="0" err="1">
+                <a:solidFill>
+                  <a:schemeClr val="tx1"/>
+                </a:solidFill>
+                <a:effectLst/>
+                <a:latin typeface="+mn-lt"/>
+                <a:ea typeface="+mn-ea"/>
+                <a:cs typeface="+mn-cs"/>
+              </a:rPr>
+              <a:t>redis</a:t>
+            </a:r>
+            <a:r>
+              <a:rPr lang="en-US" sz="1200" b="0" i="0" kern="1200" dirty="0">
+                <a:solidFill>
+                  <a:schemeClr val="tx1"/>
+                </a:solidFill>
+                <a:effectLst/>
+                <a:latin typeface="+mn-lt"/>
+                <a:ea typeface="+mn-ea"/>
+                <a:cs typeface="+mn-cs"/>
+              </a:rPr>
+              <a:t>  Since there are no images stored locally (Unable to find image…) so Docker engine goes to its default </a:t>
+            </a:r>
+            <a:r>
+              <a:rPr lang="en-US" sz="1200" b="1" i="0" kern="1200" dirty="0">
+                <a:solidFill>
+                  <a:schemeClr val="tx1"/>
+                </a:solidFill>
+                <a:effectLst/>
+                <a:latin typeface="+mn-lt"/>
+                <a:ea typeface="+mn-ea"/>
+                <a:cs typeface="+mn-cs"/>
+              </a:rPr>
+              <a:t>Docker registry</a:t>
+            </a:r>
+            <a:r>
+              <a:rPr lang="en-US" sz="1200" b="0" i="0" kern="1200" dirty="0">
+                <a:solidFill>
+                  <a:schemeClr val="tx1"/>
+                </a:solidFill>
+                <a:effectLst/>
+                <a:latin typeface="+mn-lt"/>
+                <a:ea typeface="+mn-ea"/>
+                <a:cs typeface="+mn-cs"/>
+              </a:rPr>
+              <a:t>, which is </a:t>
+            </a:r>
+            <a:r>
+              <a:rPr lang="en-US" sz="1200" b="0" i="0" u="none" strike="noStrike" kern="1200" dirty="0">
+                <a:solidFill>
+                  <a:schemeClr val="tx1"/>
+                </a:solidFill>
+                <a:effectLst/>
+                <a:latin typeface="+mn-lt"/>
+                <a:ea typeface="+mn-ea"/>
+                <a:cs typeface="+mn-cs"/>
+                <a:hlinkClick r:id="rId3"/>
+              </a:rPr>
+              <a:t>Docker Store</a:t>
+            </a:r>
+            <a:r>
+              <a:rPr lang="en-US" sz="1200" b="0" i="0" kern="1200" dirty="0">
+                <a:solidFill>
+                  <a:schemeClr val="tx1"/>
+                </a:solidFill>
+                <a:effectLst/>
+                <a:latin typeface="+mn-lt"/>
+                <a:ea typeface="+mn-ea"/>
+                <a:cs typeface="+mn-cs"/>
+              </a:rPr>
+              <a:t>, to look for an image named “</a:t>
+            </a:r>
+            <a:r>
+              <a:rPr lang="en-US" sz="1200" b="0" i="0" kern="1200" dirty="0" err="1">
+                <a:solidFill>
+                  <a:schemeClr val="tx1"/>
+                </a:solidFill>
+                <a:effectLst/>
+                <a:latin typeface="+mn-lt"/>
+                <a:ea typeface="+mn-ea"/>
+                <a:cs typeface="+mn-cs"/>
+              </a:rPr>
+              <a:t>redis</a:t>
+            </a:r>
+            <a:r>
+              <a:rPr lang="en-US" sz="1200" b="0" i="0" kern="1200" dirty="0">
+                <a:solidFill>
+                  <a:schemeClr val="tx1"/>
+                </a:solidFill>
+                <a:effectLst/>
+                <a:latin typeface="+mn-lt"/>
+                <a:ea typeface="+mn-ea"/>
+                <a:cs typeface="+mn-cs"/>
+              </a:rPr>
+              <a:t>”. It finds the image there, pulls it down, and then runs it in a container.</a:t>
+            </a:r>
+            <a:br>
+              <a:rPr lang="en-US" sz="1200" b="0" i="0" kern="1200" dirty="0">
+                <a:solidFill>
+                  <a:schemeClr val="tx1"/>
+                </a:solidFill>
+                <a:effectLst/>
+                <a:latin typeface="+mn-lt"/>
+                <a:ea typeface="+mn-ea"/>
+                <a:cs typeface="+mn-cs"/>
+              </a:rPr>
+            </a:br>
+            <a:endParaRPr lang="en-US" sz="1200" b="0" i="0" kern="1200" dirty="0">
+              <a:solidFill>
+                <a:schemeClr val="tx1"/>
+              </a:solidFill>
+              <a:effectLst/>
+              <a:latin typeface="+mn-lt"/>
+              <a:ea typeface="+mn-ea"/>
+              <a:cs typeface="+mn-cs"/>
+            </a:endParaRPr>
+          </a:p>
+          <a:p>
+            <a:r>
+              <a:rPr lang="en-US" sz="1200" b="1" i="0" u="sng" kern="1200" dirty="0">
+                <a:solidFill>
+                  <a:schemeClr val="tx1"/>
+                </a:solidFill>
+                <a:effectLst/>
+                <a:latin typeface="+mn-lt"/>
+                <a:ea typeface="+mn-ea"/>
+                <a:cs typeface="+mn-cs"/>
+                <a:hlinkClick r:id="rId4"/>
+              </a:rPr>
+              <a:t>Docker store</a:t>
+            </a:r>
+            <a:r>
+              <a:rPr lang="en-US" sz="1200" b="0" i="0" kern="1200" dirty="0">
+                <a:solidFill>
+                  <a:schemeClr val="tx1"/>
+                </a:solidFill>
+                <a:effectLst/>
+                <a:latin typeface="+mn-lt"/>
+                <a:ea typeface="+mn-ea"/>
+                <a:cs typeface="+mn-cs"/>
+              </a:rPr>
+              <a:t> allows you to buy and sell Docker images or distribute them for free</a:t>
+            </a:r>
+          </a:p>
+          <a:p>
+            <a:r>
+              <a:rPr lang="en-US" sz="1200" b="0" i="0" kern="1200" dirty="0">
+                <a:solidFill>
+                  <a:schemeClr val="tx1"/>
+                </a:solidFill>
+                <a:effectLst/>
+                <a:latin typeface="+mn-lt"/>
+                <a:ea typeface="+mn-ea"/>
+                <a:cs typeface="+mn-cs"/>
+              </a:rPr>
+              <a:t>Also you have option to buy a Docker image containing an application or service from a software vendor and use the image to deploy the application into your testing, staging, and production environments. You can upgrade the application by pulling the new version of the image and redeploying the containers.</a:t>
+            </a:r>
+          </a:p>
+          <a:p>
+            <a:r>
+              <a:rPr lang="en-US" sz="1200" b="1" i="0" kern="1200" dirty="0">
+                <a:solidFill>
+                  <a:schemeClr val="tx1"/>
+                </a:solidFill>
+                <a:effectLst/>
+                <a:latin typeface="+mn-lt"/>
+                <a:ea typeface="+mn-ea"/>
+                <a:cs typeface="+mn-cs"/>
+              </a:rPr>
+              <a:t>IMAGES</a:t>
+            </a:r>
+            <a:endParaRPr lang="en-US" sz="1200" b="0" i="0" kern="1200" dirty="0">
+              <a:solidFill>
+                <a:schemeClr val="tx1"/>
+              </a:solidFill>
+              <a:effectLst/>
+              <a:latin typeface="+mn-lt"/>
+              <a:ea typeface="+mn-ea"/>
+              <a:cs typeface="+mn-cs"/>
+            </a:endParaRPr>
+          </a:p>
+          <a:p>
+            <a:r>
+              <a:rPr lang="en-US" sz="1200" b="0" i="0" kern="1200" dirty="0">
+                <a:solidFill>
+                  <a:schemeClr val="tx1"/>
+                </a:solidFill>
+                <a:effectLst/>
+                <a:latin typeface="+mn-lt"/>
+                <a:ea typeface="+mn-ea"/>
+                <a:cs typeface="+mn-cs"/>
+              </a:rPr>
+              <a:t>An image is a read-only template with instructions for creating a Docker container. You can create an image with additional customization from a base image or use those created by others and published in a registry.</a:t>
+            </a:r>
+          </a:p>
+          <a:p>
+            <a:r>
+              <a:rPr lang="en-US" sz="1200" b="0" i="0" kern="1200" dirty="0">
+                <a:solidFill>
+                  <a:schemeClr val="tx1"/>
+                </a:solidFill>
+                <a:effectLst/>
+                <a:latin typeface="+mn-lt"/>
+                <a:ea typeface="+mn-ea"/>
+                <a:cs typeface="+mn-cs"/>
+              </a:rPr>
+              <a:t>Docker uses a smart layered file system, where the base layer is read-only and top layer is writable. When you try to write to a base layer, a copy is created in the top layer, and the base layer remains unchanged. This base layer can be shared since it is a read-only and never changes.</a:t>
+            </a:r>
+          </a:p>
+          <a:p>
+            <a:r>
+              <a:rPr lang="en-US" sz="1200" b="0" i="0" kern="1200" dirty="0">
+                <a:solidFill>
+                  <a:schemeClr val="tx1"/>
+                </a:solidFill>
+                <a:effectLst/>
+                <a:latin typeface="+mn-lt"/>
+                <a:ea typeface="+mn-ea"/>
+                <a:cs typeface="+mn-cs"/>
+              </a:rPr>
+              <a:t>For example, you may build an image, which based on the Centos image, but installs the Web server and your application, as well as the configuration details needed to make your application run.</a:t>
+            </a:r>
+          </a:p>
+          <a:p>
+            <a:r>
+              <a:rPr lang="en-US" sz="1200" b="1" i="0" kern="1200" dirty="0">
+                <a:solidFill>
+                  <a:schemeClr val="tx1"/>
+                </a:solidFill>
+                <a:effectLst/>
+                <a:latin typeface="+mn-lt"/>
+                <a:ea typeface="+mn-ea"/>
+                <a:cs typeface="+mn-cs"/>
+              </a:rPr>
+              <a:t>Volumes</a:t>
+            </a:r>
+            <a:endParaRPr lang="en-US" sz="1200" b="0" i="0" kern="1200" dirty="0">
+              <a:solidFill>
+                <a:schemeClr val="tx1"/>
+              </a:solidFill>
+              <a:effectLst/>
+              <a:latin typeface="+mn-lt"/>
+              <a:ea typeface="+mn-ea"/>
+              <a:cs typeface="+mn-cs"/>
+            </a:endParaRPr>
+          </a:p>
+          <a:p>
+            <a:r>
+              <a:rPr lang="en-US" sz="1200" b="0" i="0" kern="1200" dirty="0">
+                <a:solidFill>
+                  <a:schemeClr val="tx1"/>
+                </a:solidFill>
+                <a:effectLst/>
+                <a:latin typeface="+mn-lt"/>
+                <a:ea typeface="+mn-ea"/>
+                <a:cs typeface="+mn-cs"/>
+              </a:rPr>
+              <a:t>Volumes are the preferred mechanism for persisting data generated by and used by Docker containers. While </a:t>
+            </a:r>
+            <a:r>
+              <a:rPr lang="en-US" sz="1200" b="0" i="0" u="none" strike="noStrike" kern="1200" dirty="0">
+                <a:solidFill>
+                  <a:schemeClr val="tx1"/>
+                </a:solidFill>
+                <a:effectLst/>
+                <a:latin typeface="+mn-lt"/>
+                <a:ea typeface="+mn-ea"/>
+                <a:cs typeface="+mn-cs"/>
+                <a:hlinkClick r:id="rId5"/>
+              </a:rPr>
+              <a:t>bind mounts</a:t>
+            </a:r>
+            <a:r>
+              <a:rPr lang="en-US" sz="1200" b="0" i="0" kern="1200" dirty="0">
+                <a:solidFill>
+                  <a:schemeClr val="tx1"/>
+                </a:solidFill>
+                <a:effectLst/>
+                <a:latin typeface="+mn-lt"/>
+                <a:ea typeface="+mn-ea"/>
+                <a:cs typeface="+mn-cs"/>
+              </a:rPr>
+              <a:t> are dependent on the directory structure of the host machine, volumes are completely managed by Docker.</a:t>
+            </a:r>
+          </a:p>
+          <a:p>
+            <a:r>
+              <a:rPr lang="en-US" sz="1200" b="1" i="0" kern="1200" dirty="0">
+                <a:solidFill>
+                  <a:schemeClr val="tx1"/>
+                </a:solidFill>
+                <a:effectLst/>
+                <a:latin typeface="+mn-lt"/>
+                <a:ea typeface="+mn-ea"/>
+                <a:cs typeface="+mn-cs"/>
+              </a:rPr>
+              <a:t>Bind mounts</a:t>
+            </a:r>
+            <a:endParaRPr lang="en-US" sz="1200" b="0" i="0" kern="1200" dirty="0">
+              <a:solidFill>
+                <a:schemeClr val="tx1"/>
+              </a:solidFill>
+              <a:effectLst/>
+              <a:latin typeface="+mn-lt"/>
+              <a:ea typeface="+mn-ea"/>
+              <a:cs typeface="+mn-cs"/>
+            </a:endParaRPr>
+          </a:p>
+          <a:p>
+            <a:r>
+              <a:rPr lang="en-US" sz="1200" b="0" i="0" kern="1200" dirty="0">
+                <a:solidFill>
+                  <a:schemeClr val="tx1"/>
+                </a:solidFill>
+                <a:effectLst/>
+                <a:latin typeface="+mn-lt"/>
+                <a:ea typeface="+mn-ea"/>
+                <a:cs typeface="+mn-cs"/>
+              </a:rPr>
+              <a:t>Bind mounts have been around since the early days of Docker. Bind mounts have limited functionality compared to volumes. When you use a bind mount, a file or directory on the host machine is mounted into a container. The file or directory is referenced by its full or relative path on the host machine. By contrast, when you use a volume, a new directory is created within Docker’s storage directory on the host machine, and Docker manages that directory’s contents.</a:t>
+            </a:r>
+          </a:p>
+          <a:p>
+            <a:r>
+              <a:rPr lang="en-US" sz="1200" b="0" i="0" kern="1200" dirty="0">
+                <a:solidFill>
+                  <a:schemeClr val="tx1"/>
+                </a:solidFill>
+                <a:effectLst/>
+                <a:latin typeface="+mn-lt"/>
+                <a:ea typeface="+mn-ea"/>
+                <a:cs typeface="+mn-cs"/>
+              </a:rPr>
+              <a:t>The file or directory does not need to exist on the Docker host already. It is created on demand if it does not yet exist. Bind mounts are very performant, but they rely on the host machine’s filesystem having a specific directory structure available. If you are developing new Docker applications, consider using named volumes instead. You can’t use Docker CLI commands to directly manage bind mounts.</a:t>
+            </a:r>
+          </a:p>
+          <a:p>
+            <a:endParaRPr lang="en-US" sz="1200" b="1" i="0" kern="1200" dirty="0">
+              <a:solidFill>
+                <a:schemeClr val="tx1"/>
+              </a:solidFill>
+              <a:effectLst/>
+              <a:latin typeface="+mn-lt"/>
+              <a:ea typeface="+mn-ea"/>
+              <a:cs typeface="+mn-cs"/>
+            </a:endParaRPr>
+          </a:p>
+          <a:p>
+            <a:r>
+              <a:rPr lang="en-US" sz="1200" b="1" i="0" kern="1200" dirty="0">
+                <a:solidFill>
+                  <a:schemeClr val="tx1"/>
+                </a:solidFill>
+                <a:effectLst/>
+                <a:latin typeface="+mn-lt"/>
+                <a:ea typeface="+mn-ea"/>
+                <a:cs typeface="+mn-cs"/>
+              </a:rPr>
+              <a:t>Advantages of Volume over bind mounts</a:t>
+            </a:r>
+            <a:endParaRPr lang="en-US" sz="1200" b="0" i="0" kern="1200" dirty="0">
+              <a:solidFill>
+                <a:schemeClr val="tx1"/>
+              </a:solidFill>
+              <a:effectLst/>
+              <a:latin typeface="+mn-lt"/>
+              <a:ea typeface="+mn-ea"/>
+              <a:cs typeface="+mn-cs"/>
+            </a:endParaRPr>
+          </a:p>
+          <a:p>
+            <a:r>
+              <a:rPr lang="en-US" sz="1200" b="0" i="0" kern="1200" dirty="0">
+                <a:solidFill>
+                  <a:schemeClr val="tx1"/>
+                </a:solidFill>
+                <a:effectLst/>
+                <a:latin typeface="+mn-lt"/>
+                <a:ea typeface="+mn-ea"/>
+                <a:cs typeface="+mn-cs"/>
+              </a:rPr>
+              <a:t>Volumes are easier to back up or migrate than bind mounts.</a:t>
+            </a:r>
+          </a:p>
+          <a:p>
+            <a:r>
+              <a:rPr lang="en-US" sz="1200" b="0" i="0" kern="1200" dirty="0">
+                <a:solidFill>
+                  <a:schemeClr val="tx1"/>
+                </a:solidFill>
+                <a:effectLst/>
+                <a:latin typeface="+mn-lt"/>
+                <a:ea typeface="+mn-ea"/>
+                <a:cs typeface="+mn-cs"/>
+              </a:rPr>
+              <a:t>You can manage volumes using Docker CLI commands or the Docker API.</a:t>
+            </a:r>
+          </a:p>
+          <a:p>
+            <a:r>
+              <a:rPr lang="en-US" sz="1200" b="0" i="0" kern="1200" dirty="0">
+                <a:solidFill>
+                  <a:schemeClr val="tx1"/>
+                </a:solidFill>
+                <a:effectLst/>
+                <a:latin typeface="+mn-lt"/>
+                <a:ea typeface="+mn-ea"/>
+                <a:cs typeface="+mn-cs"/>
+              </a:rPr>
+              <a:t>Volumes work on both Linux and Windows containers.</a:t>
+            </a:r>
+          </a:p>
+          <a:p>
+            <a:r>
+              <a:rPr lang="en-US" sz="1200" b="0" i="0" kern="1200" dirty="0">
+                <a:solidFill>
+                  <a:schemeClr val="tx1"/>
+                </a:solidFill>
+                <a:effectLst/>
+                <a:latin typeface="+mn-lt"/>
+                <a:ea typeface="+mn-ea"/>
+                <a:cs typeface="+mn-cs"/>
+              </a:rPr>
+              <a:t>Volumes can be more safely shared among multiple containers.</a:t>
+            </a:r>
+          </a:p>
+          <a:p>
+            <a:r>
+              <a:rPr lang="en-US" sz="1200" b="0" i="0" kern="1200" dirty="0">
+                <a:solidFill>
+                  <a:schemeClr val="tx1"/>
+                </a:solidFill>
+                <a:effectLst/>
+                <a:latin typeface="+mn-lt"/>
+                <a:ea typeface="+mn-ea"/>
+                <a:cs typeface="+mn-cs"/>
+              </a:rPr>
+              <a:t>Volume drivers let you store volumes on remote hosts or cloud providers, to encrypt the contents of volumes, or to add other functionality.</a:t>
+            </a:r>
+          </a:p>
+          <a:p>
+            <a:r>
+              <a:rPr lang="en-US" sz="1200" b="0" i="0" kern="1200" dirty="0">
+                <a:solidFill>
+                  <a:schemeClr val="tx1"/>
+                </a:solidFill>
+                <a:effectLst/>
+                <a:latin typeface="+mn-lt"/>
+                <a:ea typeface="+mn-ea"/>
+                <a:cs typeface="+mn-cs"/>
+              </a:rPr>
+              <a:t>New volumes can have their content pre-populated by a container.</a:t>
+            </a:r>
+          </a:p>
+          <a:p>
+            <a:endParaRPr lang="en-US" sz="1200" b="0" i="0" kern="1200" dirty="0">
+              <a:solidFill>
+                <a:schemeClr val="tx1"/>
+              </a:solidFill>
+              <a:effectLst/>
+              <a:latin typeface="+mn-lt"/>
+              <a:ea typeface="+mn-ea"/>
+              <a:cs typeface="+mn-cs"/>
+            </a:endParaRPr>
+          </a:p>
+          <a:p>
+            <a:br>
+              <a:rPr lang="en-US" sz="1200" b="0" i="0" kern="1200" dirty="0">
+                <a:solidFill>
+                  <a:schemeClr val="tx1"/>
+                </a:solidFill>
+                <a:effectLst/>
+                <a:latin typeface="+mn-lt"/>
+                <a:ea typeface="+mn-ea"/>
+                <a:cs typeface="+mn-cs"/>
+              </a:rPr>
+            </a:br>
+            <a:r>
+              <a:rPr lang="en-US" sz="1200" b="0" i="0" kern="1200" dirty="0">
+                <a:solidFill>
+                  <a:schemeClr val="tx1"/>
+                </a:solidFill>
+                <a:effectLst/>
+                <a:latin typeface="+mn-lt"/>
+                <a:ea typeface="+mn-ea"/>
+                <a:cs typeface="+mn-cs"/>
+              </a:rPr>
+              <a:t>Docker creates a new container every time when you run docker run multiple times and leaving stray containers will eat up disk space. So clean up the containers once you are done with them. You can use the docker rm command to perform the cleaning</a:t>
+            </a:r>
+          </a:p>
+          <a:p>
+            <a:r>
+              <a:rPr lang="en-US" sz="1200" b="0" i="0" kern="1200" dirty="0">
+                <a:solidFill>
+                  <a:schemeClr val="tx1"/>
+                </a:solidFill>
+                <a:effectLst/>
+                <a:latin typeface="+mn-lt"/>
+                <a:ea typeface="+mn-ea"/>
+                <a:cs typeface="+mn-cs"/>
+              </a:rPr>
+              <a:t>$ docker container rm &lt; container ID &gt;</a:t>
+            </a:r>
+          </a:p>
+          <a:p>
+            <a:endParaRPr lang="en-US" sz="1200" b="0" i="0" kern="1200" dirty="0">
+              <a:solidFill>
+                <a:schemeClr val="tx1"/>
+              </a:solidFill>
+              <a:effectLst/>
+              <a:latin typeface="+mn-lt"/>
+              <a:ea typeface="+mn-ea"/>
+              <a:cs typeface="+mn-cs"/>
+            </a:endParaRPr>
+          </a:p>
+          <a:p>
+            <a:endParaRPr lang="en-US" dirty="0"/>
+          </a:p>
+        </p:txBody>
+      </p:sp>
+      <p:sp>
+        <p:nvSpPr>
+          <p:cNvPr id="4" name="Slide Number Placeholder 3"/>
+          <p:cNvSpPr>
+            <a:spLocks noGrp="1"/>
+          </p:cNvSpPr>
+          <p:nvPr>
+            <p:ph type="sldNum" sz="quarter" idx="5"/>
+          </p:nvPr>
+        </p:nvSpPr>
+        <p:spPr/>
+        <p:txBody>
+          <a:bodyPr/>
+          <a:lstStyle/>
+          <a:p>
+            <a:fld id="{854849D2-CA60-4E91-8A83-9389C3F76D2A}" type="slidenum">
+              <a:rPr lang="en-US" smtClean="0"/>
+              <a:t>4</a:t>
+            </a:fld>
+            <a:endParaRPr lang="en-US"/>
+          </a:p>
+        </p:txBody>
+      </p:sp>
+    </p:spTree>
+    <p:extLst>
+      <p:ext uri="{BB962C8B-B14F-4D97-AF65-F5344CB8AC3E}">
+        <p14:creationId xmlns:p14="http://schemas.microsoft.com/office/powerpoint/2010/main" val="41299099"/>
+      </p:ext>
+    </p:extLst>
+  </p:cSld>
+  <p:clrMapOvr>
+    <a:masterClrMapping/>
+  </p:clrMapOvr>
+</p:notes>
+</file>
+
+<file path=ppt/notesSlides/notesSlide5.xml><?xml version="1.0" encoding="utf-8"?>
+<p:notes xmlns:a="http://schemas.openxmlformats.org/drawingml/2006/main" xmlns:r="http://schemas.openxmlformats.org/officeDocument/2006/relationships" xmlns:p="http://schemas.openxmlformats.org/presentationml/2006/main">
+  <p:cSld>
+    <p:spTree>
+      <p:nvGrpSpPr>
+        <p:cNvPr id="1" name=""/>
+        <p:cNvGrpSpPr/>
+        <p:nvPr/>
+      </p:nvGrpSpPr>
+      <p:grpSpPr>
+        <a:xfrm>
+          <a:off x="0" y="0"/>
+          <a:ext cx="0" cy="0"/>
+          <a:chOff x="0" y="0"/>
+          <a:chExt cx="0" cy="0"/>
+        </a:xfrm>
+      </p:grpSpPr>
+      <p:sp>
+        <p:nvSpPr>
+          <p:cNvPr id="2" name="Slide Image Placeholder 1"/>
+          <p:cNvSpPr>
+            <a:spLocks noGrp="1" noRot="1" noChangeAspect="1"/>
+          </p:cNvSpPr>
+          <p:nvPr>
+            <p:ph type="sldImg"/>
+          </p:nvPr>
+        </p:nvSpPr>
+        <p:spPr/>
+      </p:sp>
+      <p:sp>
+        <p:nvSpPr>
+          <p:cNvPr id="3" name="Notes Placeholder 2"/>
+          <p:cNvSpPr>
+            <a:spLocks noGrp="1"/>
+          </p:cNvSpPr>
+          <p:nvPr>
+            <p:ph type="body" idx="1"/>
+          </p:nvPr>
+        </p:nvSpPr>
+        <p:spPr/>
+        <p:txBody>
+          <a:bodyPr/>
+          <a:lstStyle/>
+          <a:p>
+            <a:r>
+              <a:rPr lang="en-US" sz="1200" kern="1200" dirty="0">
+                <a:solidFill>
+                  <a:schemeClr val="tx1"/>
+                </a:solidFill>
+                <a:latin typeface="+mn-lt"/>
+                <a:ea typeface="+mn-ea"/>
+                <a:cs typeface="+mn-cs"/>
+                <a:hlinkClick r:id="rId3">
+                  <a:extLst>
+                    <a:ext uri="{A12FA001-AC4F-418D-AE19-62706E023703}">
+                      <ahyp:hlinkClr xmlns:ahyp="http://schemas.microsoft.com/office/drawing/2018/hyperlinkcolor" val="tx"/>
+                    </a:ext>
+                  </a:extLst>
+                </a:hlinkClick>
+              </a:rPr>
+              <a:t>Docker store (for containers):  </a:t>
+            </a:r>
+            <a:r>
+              <a:rPr lang="en-US" dirty="0">
+                <a:hlinkClick r:id="rId4"/>
+              </a:rPr>
+              <a:t>https://hub.docker.com/</a:t>
+            </a:r>
+            <a:br>
+              <a:rPr lang="en-US" dirty="0">
+                <a:hlinkClick r:id="rId3"/>
+              </a:rPr>
+            </a:br>
+            <a:r>
+              <a:rPr lang="en-US" sz="1200" kern="1200" dirty="0">
+                <a:solidFill>
+                  <a:schemeClr val="tx1"/>
+                </a:solidFill>
+                <a:latin typeface="+mn-lt"/>
+                <a:ea typeface="+mn-ea"/>
+                <a:cs typeface="+mn-cs"/>
+                <a:hlinkClick r:id="rId3">
+                  <a:extLst>
+                    <a:ext uri="{A12FA001-AC4F-418D-AE19-62706E023703}">
+                      <ahyp:hlinkClr xmlns:ahyp="http://schemas.microsoft.com/office/drawing/2018/hyperlinkcolor" val="tx"/>
+                    </a:ext>
+                  </a:extLst>
+                </a:hlinkClick>
+              </a:rPr>
+              <a:t>Docker hub (Docker registry): </a:t>
+            </a:r>
+            <a:r>
+              <a:rPr lang="en-US" sz="1200" kern="1200" dirty="0">
+                <a:solidFill>
+                  <a:schemeClr val="tx1"/>
+                </a:solidFill>
+                <a:latin typeface="+mn-lt"/>
+                <a:ea typeface="+mn-ea"/>
+                <a:cs typeface="+mn-cs"/>
+              </a:rPr>
+              <a:t> </a:t>
+            </a:r>
+            <a:r>
+              <a:rPr lang="en-US" dirty="0">
+                <a:hlinkClick r:id="rId3"/>
+              </a:rPr>
+              <a:t>https://hub.docker.com/search/?q=&amp;type=image</a:t>
+            </a:r>
+            <a:endParaRPr lang="en-US" dirty="0"/>
+          </a:p>
+          <a:p>
+            <a:endParaRPr lang="en-US" dirty="0"/>
+          </a:p>
+          <a:p>
+            <a:endParaRPr lang="en-US" dirty="0"/>
+          </a:p>
+          <a:p>
+            <a:endParaRPr lang="en-US" dirty="0"/>
+          </a:p>
+        </p:txBody>
+      </p:sp>
+      <p:sp>
+        <p:nvSpPr>
+          <p:cNvPr id="4" name="Slide Number Placeholder 3"/>
+          <p:cNvSpPr>
+            <a:spLocks noGrp="1"/>
+          </p:cNvSpPr>
+          <p:nvPr>
+            <p:ph type="sldNum" sz="quarter" idx="5"/>
+          </p:nvPr>
+        </p:nvSpPr>
+        <p:spPr/>
+        <p:txBody>
+          <a:bodyPr/>
+          <a:lstStyle/>
+          <a:p>
+            <a:fld id="{854849D2-CA60-4E91-8A83-9389C3F76D2A}" type="slidenum">
+              <a:rPr lang="en-US" smtClean="0"/>
+              <a:t>5</a:t>
+            </a:fld>
+            <a:endParaRPr lang="en-US"/>
+          </a:p>
+        </p:txBody>
+      </p:sp>
+    </p:spTree>
+    <p:extLst>
+      <p:ext uri="{BB962C8B-B14F-4D97-AF65-F5344CB8AC3E}">
+        <p14:creationId xmlns:p14="http://schemas.microsoft.com/office/powerpoint/2010/main" val="3224411832"/>
+      </p:ext>
+    </p:extLst>
+  </p:cSld>
+  <p:clrMapOvr>
+    <a:masterClrMapping/>
+  </p:clrMapOvr>
+</p:notes>
+</file>
+
+<file path=ppt/notesSlides/notesSlide6.xml><?xml version="1.0" encoding="utf-8"?>
+<p:notes xmlns:a="http://schemas.openxmlformats.org/drawingml/2006/main" xmlns:r="http://schemas.openxmlformats.org/officeDocument/2006/relationships" xmlns:p="http://schemas.openxmlformats.org/presentationml/2006/main">
+  <p:cSld>
+    <p:spTree>
+      <p:nvGrpSpPr>
+        <p:cNvPr id="1" name=""/>
+        <p:cNvGrpSpPr/>
+        <p:nvPr/>
+      </p:nvGrpSpPr>
+      <p:grpSpPr>
+        <a:xfrm>
+          <a:off x="0" y="0"/>
+          <a:ext cx="0" cy="0"/>
+          <a:chOff x="0" y="0"/>
+          <a:chExt cx="0" cy="0"/>
+        </a:xfrm>
+      </p:grpSpPr>
+      <p:sp>
+        <p:nvSpPr>
+          <p:cNvPr id="2" name="Slide Image Placeholder 1"/>
+          <p:cNvSpPr>
+            <a:spLocks noGrp="1" noRot="1" noChangeAspect="1"/>
+          </p:cNvSpPr>
+          <p:nvPr>
+            <p:ph type="sldImg"/>
+          </p:nvPr>
+        </p:nvSpPr>
+        <p:spPr/>
+      </p:sp>
+      <p:sp>
+        <p:nvSpPr>
+          <p:cNvPr id="3" name="Notes Placeholder 2"/>
+          <p:cNvSpPr>
+            <a:spLocks noGrp="1"/>
+          </p:cNvSpPr>
+          <p:nvPr>
+            <p:ph type="body" idx="1"/>
+          </p:nvPr>
+        </p:nvSpPr>
+        <p:spPr/>
+        <p:txBody>
+          <a:bodyPr/>
+          <a:lstStyle/>
+          <a:p>
+            <a:r>
+              <a:rPr lang="en-US" sz="1200" b="1" i="0" kern="1200" dirty="0">
+                <a:solidFill>
+                  <a:schemeClr val="tx1"/>
+                </a:solidFill>
+                <a:effectLst/>
+                <a:latin typeface="+mn-lt"/>
+                <a:ea typeface="+mn-ea"/>
+                <a:cs typeface="+mn-cs"/>
+              </a:rPr>
+              <a:t>How to build Your Own Image</a:t>
+            </a:r>
+            <a:endParaRPr lang="en-US" sz="1200" b="0" i="0" kern="1200" dirty="0">
+              <a:solidFill>
+                <a:schemeClr val="tx1"/>
+              </a:solidFill>
+              <a:effectLst/>
+              <a:latin typeface="+mn-lt"/>
+              <a:ea typeface="+mn-ea"/>
+              <a:cs typeface="+mn-cs"/>
+            </a:endParaRPr>
+          </a:p>
+          <a:p>
+            <a:r>
+              <a:rPr lang="en-US" sz="1200" b="0" i="0" kern="1200" dirty="0">
+                <a:solidFill>
+                  <a:schemeClr val="tx1"/>
+                </a:solidFill>
+                <a:effectLst/>
+                <a:latin typeface="+mn-lt"/>
+                <a:ea typeface="+mn-ea"/>
+                <a:cs typeface="+mn-cs"/>
+              </a:rPr>
+              <a:t>To build your own image, Create a </a:t>
+            </a:r>
+            <a:r>
+              <a:rPr lang="en-US" sz="1200" b="0" i="0" kern="1200" dirty="0" err="1">
+                <a:solidFill>
+                  <a:schemeClr val="tx1"/>
+                </a:solidFill>
+                <a:effectLst/>
+                <a:latin typeface="+mn-lt"/>
+                <a:ea typeface="+mn-ea"/>
+                <a:cs typeface="+mn-cs"/>
+              </a:rPr>
+              <a:t>Dockerfile</a:t>
+            </a:r>
+            <a:r>
+              <a:rPr lang="en-US" sz="1200" b="0" i="0" kern="1200" dirty="0">
+                <a:solidFill>
+                  <a:schemeClr val="tx1"/>
+                </a:solidFill>
+                <a:effectLst/>
+                <a:latin typeface="+mn-lt"/>
+                <a:ea typeface="+mn-ea"/>
+                <a:cs typeface="+mn-cs"/>
+              </a:rPr>
+              <a:t> with a simple syntax for defining the steps needed to create the image and run it. Each instruction in a </a:t>
+            </a:r>
+            <a:r>
+              <a:rPr lang="en-US" sz="1200" b="0" i="0" kern="1200" dirty="0" err="1">
+                <a:solidFill>
+                  <a:schemeClr val="tx1"/>
+                </a:solidFill>
+                <a:effectLst/>
+                <a:latin typeface="+mn-lt"/>
+                <a:ea typeface="+mn-ea"/>
+                <a:cs typeface="+mn-cs"/>
+              </a:rPr>
+              <a:t>Dockerfile</a:t>
+            </a:r>
+            <a:r>
+              <a:rPr lang="en-US" sz="1200" b="0" i="0" kern="1200" dirty="0">
+                <a:solidFill>
+                  <a:schemeClr val="tx1"/>
+                </a:solidFill>
+                <a:effectLst/>
+                <a:latin typeface="+mn-lt"/>
+                <a:ea typeface="+mn-ea"/>
+                <a:cs typeface="+mn-cs"/>
+              </a:rPr>
+              <a:t> creates a layer in the image. When you change the </a:t>
+            </a:r>
+            <a:r>
+              <a:rPr lang="en-US" sz="1200" b="0" i="0" kern="1200" dirty="0" err="1">
+                <a:solidFill>
+                  <a:schemeClr val="tx1"/>
+                </a:solidFill>
+                <a:effectLst/>
+                <a:latin typeface="+mn-lt"/>
+                <a:ea typeface="+mn-ea"/>
+                <a:cs typeface="+mn-cs"/>
+              </a:rPr>
+              <a:t>Dockerfile</a:t>
+            </a:r>
+            <a:r>
+              <a:rPr lang="en-US" sz="1200" b="0" i="0" kern="1200" dirty="0">
+                <a:solidFill>
+                  <a:schemeClr val="tx1"/>
+                </a:solidFill>
+                <a:effectLst/>
+                <a:latin typeface="+mn-lt"/>
+                <a:ea typeface="+mn-ea"/>
+                <a:cs typeface="+mn-cs"/>
+              </a:rPr>
+              <a:t> and rebuild the image, only those layers that have changed are rebuilt and this makes images so lightweight, small, and fast.</a:t>
+            </a:r>
+          </a:p>
+          <a:p>
+            <a:r>
+              <a:rPr lang="en-US" sz="1200" b="1" i="0" kern="1200" dirty="0">
+                <a:solidFill>
+                  <a:schemeClr val="tx1"/>
+                </a:solidFill>
+                <a:effectLst/>
+                <a:latin typeface="+mn-lt"/>
+                <a:ea typeface="+mn-ea"/>
+                <a:cs typeface="+mn-cs"/>
+              </a:rPr>
+              <a:t>CONTAINERS</a:t>
+            </a:r>
+            <a:endParaRPr lang="en-US" sz="1200" b="0" i="0" kern="1200" dirty="0">
+              <a:solidFill>
+                <a:schemeClr val="tx1"/>
+              </a:solidFill>
+              <a:effectLst/>
+              <a:latin typeface="+mn-lt"/>
+              <a:ea typeface="+mn-ea"/>
+              <a:cs typeface="+mn-cs"/>
+            </a:endParaRPr>
+          </a:p>
+          <a:p>
+            <a:r>
+              <a:rPr lang="en-US" sz="1200" b="0" i="0" kern="1200" dirty="0">
+                <a:solidFill>
+                  <a:schemeClr val="tx1"/>
+                </a:solidFill>
+                <a:effectLst/>
+                <a:latin typeface="+mn-lt"/>
+                <a:ea typeface="+mn-ea"/>
+                <a:cs typeface="+mn-cs"/>
+              </a:rPr>
+              <a:t>In simple words container is a runnable instance of an image. You can create, start, stop, move, or delete a container using the Docker API or CLI. You can connect a container to one or more networks, attach storage to it, or even create a new image based on its current state.</a:t>
+            </a:r>
+          </a:p>
+          <a:p>
+            <a:r>
+              <a:rPr lang="en-US" sz="1200" b="0" i="0" kern="1200" dirty="0">
+                <a:solidFill>
+                  <a:schemeClr val="tx1"/>
+                </a:solidFill>
+                <a:effectLst/>
+                <a:latin typeface="+mn-lt"/>
+                <a:ea typeface="+mn-ea"/>
+                <a:cs typeface="+mn-cs"/>
+              </a:rPr>
+              <a:t>By default, a container is relatively well isolated from other containers and its host machine. You can control how isolated a container’s network, storage, or other underlying subsystems are from other containers or from the host machine.</a:t>
+            </a:r>
+          </a:p>
+          <a:p>
+            <a:r>
+              <a:rPr lang="en-US" sz="1200" b="0" i="0" kern="1200" dirty="0">
+                <a:solidFill>
+                  <a:schemeClr val="tx1"/>
+                </a:solidFill>
+                <a:effectLst/>
+                <a:latin typeface="+mn-lt"/>
+                <a:ea typeface="+mn-ea"/>
+                <a:cs typeface="+mn-cs"/>
+              </a:rPr>
+              <a:t>A container is defined by its image as well as any configuration options you provide to it when you create or start it. When a container is removed, any changes to its state that are not stored in persistent storage disappear.</a:t>
+            </a:r>
+          </a:p>
+          <a:p>
+            <a:r>
+              <a:rPr lang="en-US" sz="1200" b="1" i="0" kern="1200" dirty="0">
+                <a:solidFill>
+                  <a:schemeClr val="tx1"/>
+                </a:solidFill>
+                <a:effectLst/>
+                <a:latin typeface="+mn-lt"/>
+                <a:ea typeface="+mn-ea"/>
+                <a:cs typeface="+mn-cs"/>
+              </a:rPr>
+              <a:t>Volumes</a:t>
+            </a:r>
+            <a:endParaRPr lang="en-US" sz="1200" b="0" i="0" kern="1200" dirty="0">
+              <a:solidFill>
+                <a:schemeClr val="tx1"/>
+              </a:solidFill>
+              <a:effectLst/>
+              <a:latin typeface="+mn-lt"/>
+              <a:ea typeface="+mn-ea"/>
+              <a:cs typeface="+mn-cs"/>
+            </a:endParaRPr>
+          </a:p>
+          <a:p>
+            <a:r>
+              <a:rPr lang="en-US" sz="1200" b="0" i="0" kern="1200" dirty="0">
+                <a:solidFill>
+                  <a:schemeClr val="tx1"/>
+                </a:solidFill>
+                <a:effectLst/>
+                <a:latin typeface="+mn-lt"/>
+                <a:ea typeface="+mn-ea"/>
+                <a:cs typeface="+mn-cs"/>
+              </a:rPr>
+              <a:t>Volumes are the preferred mechanism for persisting data generated by and used by Docker containers. While </a:t>
+            </a:r>
+            <a:r>
+              <a:rPr lang="en-US" sz="1200" b="0" i="0" u="none" strike="noStrike" kern="1200" dirty="0">
+                <a:solidFill>
+                  <a:schemeClr val="tx1"/>
+                </a:solidFill>
+                <a:effectLst/>
+                <a:latin typeface="+mn-lt"/>
+                <a:ea typeface="+mn-ea"/>
+                <a:cs typeface="+mn-cs"/>
+                <a:hlinkClick r:id="rId3"/>
+              </a:rPr>
+              <a:t>bind mounts</a:t>
+            </a:r>
+            <a:r>
+              <a:rPr lang="en-US" sz="1200" b="0" i="0" kern="1200" dirty="0">
+                <a:solidFill>
+                  <a:schemeClr val="tx1"/>
+                </a:solidFill>
+                <a:effectLst/>
+                <a:latin typeface="+mn-lt"/>
+                <a:ea typeface="+mn-ea"/>
+                <a:cs typeface="+mn-cs"/>
+              </a:rPr>
+              <a:t> are dependent on the directory structure of the host machine, volumes are completely managed by Docker.</a:t>
+            </a:r>
+          </a:p>
+        </p:txBody>
+      </p:sp>
+      <p:sp>
+        <p:nvSpPr>
+          <p:cNvPr id="4" name="Slide Number Placeholder 3"/>
+          <p:cNvSpPr>
+            <a:spLocks noGrp="1"/>
+          </p:cNvSpPr>
+          <p:nvPr>
+            <p:ph type="sldNum" sz="quarter" idx="5"/>
+          </p:nvPr>
+        </p:nvSpPr>
+        <p:spPr/>
+        <p:txBody>
+          <a:bodyPr/>
+          <a:lstStyle/>
+          <a:p>
+            <a:fld id="{854849D2-CA60-4E91-8A83-9389C3F76D2A}" type="slidenum">
+              <a:rPr lang="en-US" smtClean="0"/>
+              <a:t>6</a:t>
+            </a:fld>
+            <a:endParaRPr lang="en-US"/>
+          </a:p>
+        </p:txBody>
+      </p:sp>
+    </p:spTree>
+    <p:extLst>
+      <p:ext uri="{BB962C8B-B14F-4D97-AF65-F5344CB8AC3E}">
+        <p14:creationId xmlns:p14="http://schemas.microsoft.com/office/powerpoint/2010/main" val="515616671"/>
+      </p:ext>
+    </p:extLst>
+  </p:cSld>
+  <p:clrMapOvr>
+    <a:masterClrMapping/>
+  </p:clrMapOvr>
+</p:notes>
+</file>
+
+<file path=ppt/notesSlides/notesSlide7.xml><?xml version="1.0" encoding="utf-8"?>
+<p:notes xmlns:a="http://schemas.openxmlformats.org/drawingml/2006/main" xmlns:r="http://schemas.openxmlformats.org/officeDocument/2006/relationships" xmlns:p="http://schemas.openxmlformats.org/presentationml/2006/main">
+  <p:cSld>
+    <p:spTree>
+      <p:nvGrpSpPr>
+        <p:cNvPr id="1" name=""/>
+        <p:cNvGrpSpPr/>
+        <p:nvPr/>
+      </p:nvGrpSpPr>
+      <p:grpSpPr>
+        <a:xfrm>
+          <a:off x="0" y="0"/>
+          <a:ext cx="0" cy="0"/>
+          <a:chOff x="0" y="0"/>
+          <a:chExt cx="0" cy="0"/>
+        </a:xfrm>
+      </p:grpSpPr>
+      <p:sp>
+        <p:nvSpPr>
+          <p:cNvPr id="2" name="Slide Image Placeholder 1"/>
+          <p:cNvSpPr>
+            <a:spLocks noGrp="1" noRot="1" noChangeAspect="1"/>
+          </p:cNvSpPr>
+          <p:nvPr>
+            <p:ph type="sldImg"/>
+          </p:nvPr>
+        </p:nvSpPr>
+        <p:spPr/>
+      </p:sp>
+      <p:sp>
+        <p:nvSpPr>
+          <p:cNvPr id="3" name="Notes Placeholder 2"/>
+          <p:cNvSpPr>
+            <a:spLocks noGrp="1"/>
+          </p:cNvSpPr>
+          <p:nvPr>
+            <p:ph type="body" idx="1"/>
+          </p:nvPr>
+        </p:nvSpPr>
+        <p:spPr/>
+        <p:txBody>
+          <a:bodyPr/>
+          <a:lstStyle/>
+          <a:p>
+            <a:r>
+              <a:rPr lang="en-US" sz="1200" b="0" i="0" kern="1200" dirty="0">
+                <a:solidFill>
+                  <a:schemeClr val="tx1"/>
+                </a:solidFill>
+                <a:effectLst/>
+                <a:latin typeface="+mn-lt"/>
+                <a:ea typeface="+mn-ea"/>
+                <a:cs typeface="+mn-cs"/>
+              </a:rPr>
+              <a:t>Amazon Elastic Container Service (Amazon ECS) is a highly scalable, high-performance </a:t>
+            </a:r>
+            <a:r>
+              <a:rPr lang="en-US" sz="1200" b="0" i="0" u="none" strike="noStrike" kern="1200" dirty="0">
+                <a:solidFill>
+                  <a:schemeClr val="tx1"/>
+                </a:solidFill>
+                <a:effectLst/>
+                <a:latin typeface="+mn-lt"/>
+                <a:ea typeface="+mn-ea"/>
+                <a:cs typeface="+mn-cs"/>
+                <a:hlinkClick r:id="rId3"/>
+              </a:rPr>
+              <a:t>container</a:t>
+            </a:r>
+            <a:r>
+              <a:rPr lang="en-US" sz="1200" b="0" i="0" kern="1200" dirty="0">
+                <a:solidFill>
+                  <a:schemeClr val="tx1"/>
+                </a:solidFill>
+                <a:effectLst/>
+                <a:latin typeface="+mn-lt"/>
+                <a:ea typeface="+mn-ea"/>
+                <a:cs typeface="+mn-cs"/>
+              </a:rPr>
+              <a:t> orchestration service that supports </a:t>
+            </a:r>
+            <a:r>
+              <a:rPr lang="en-US" sz="1200" b="0" i="0" u="none" strike="noStrike" kern="1200" dirty="0">
+                <a:solidFill>
+                  <a:schemeClr val="tx1"/>
+                </a:solidFill>
+                <a:effectLst/>
+                <a:latin typeface="+mn-lt"/>
+                <a:ea typeface="+mn-ea"/>
+                <a:cs typeface="+mn-cs"/>
+                <a:hlinkClick r:id="rId4"/>
+              </a:rPr>
+              <a:t>Docker</a:t>
+            </a:r>
+            <a:r>
+              <a:rPr lang="en-US" sz="1200" b="0" i="0" kern="1200" dirty="0">
+                <a:solidFill>
+                  <a:schemeClr val="tx1"/>
+                </a:solidFill>
+                <a:effectLst/>
+                <a:latin typeface="+mn-lt"/>
+                <a:ea typeface="+mn-ea"/>
+                <a:cs typeface="+mn-cs"/>
+              </a:rPr>
+              <a:t> containers and allows you to easily run and scale containerized applications on AWS. Amazon ECS eliminates the need for you to install and operate your own container orchestration software, manage and scale a cluster of virtual machines, or schedule containers on those virtual machines.</a:t>
+            </a:r>
+          </a:p>
+          <a:p>
+            <a:r>
+              <a:rPr lang="en-US" sz="1200" b="0" i="0" kern="1200" dirty="0">
+                <a:solidFill>
+                  <a:schemeClr val="tx1"/>
+                </a:solidFill>
+                <a:effectLst/>
+                <a:latin typeface="+mn-lt"/>
+                <a:ea typeface="+mn-ea"/>
+                <a:cs typeface="+mn-cs"/>
+              </a:rPr>
+              <a:t>With simple API calls, you can launch and stop Docker-enabled applications, query the complete state of your application, and access many familiar features such as IAM roles, security groups, load balancers, Amazon CloudWatch Events, AWS CloudFormation templates, and AWS CloudTrail logs.</a:t>
+            </a:r>
+          </a:p>
+          <a:p>
+            <a:r>
+              <a:rPr lang="en-US" sz="1200" b="0" i="0" kern="1200" dirty="0">
+                <a:solidFill>
+                  <a:schemeClr val="tx1"/>
+                </a:solidFill>
+                <a:effectLst/>
+                <a:latin typeface="+mn-lt"/>
+                <a:ea typeface="+mn-ea"/>
+                <a:cs typeface="+mn-cs"/>
+              </a:rPr>
+              <a:t>ECS runs your containers on a cluster of </a:t>
+            </a:r>
+            <a:r>
+              <a:rPr lang="en-US" sz="1200" b="0" i="0" u="sng" kern="1200" dirty="0">
+                <a:solidFill>
+                  <a:schemeClr val="tx1"/>
+                </a:solidFill>
+                <a:effectLst/>
+                <a:latin typeface="+mn-lt"/>
+                <a:ea typeface="+mn-ea"/>
+                <a:cs typeface="+mn-cs"/>
+                <a:hlinkClick r:id="rId5"/>
+              </a:rPr>
+              <a:t>Amazon EC2</a:t>
+            </a:r>
+            <a:r>
+              <a:rPr lang="en-US" sz="1200" b="0" i="0" kern="1200" dirty="0">
+                <a:solidFill>
+                  <a:schemeClr val="tx1"/>
+                </a:solidFill>
+                <a:effectLst/>
+                <a:latin typeface="+mn-lt"/>
+                <a:ea typeface="+mn-ea"/>
+                <a:cs typeface="+mn-cs"/>
+              </a:rPr>
+              <a:t> (Elastic Compute Cloud) </a:t>
+            </a:r>
+            <a:r>
+              <a:rPr lang="en-US" sz="1200" b="0" i="0" u="sng" kern="1200" dirty="0">
+                <a:solidFill>
+                  <a:schemeClr val="tx1"/>
+                </a:solidFill>
+                <a:effectLst/>
+                <a:latin typeface="+mn-lt"/>
+                <a:ea typeface="+mn-ea"/>
+                <a:cs typeface="+mn-cs"/>
+                <a:hlinkClick r:id="rId6"/>
+              </a:rPr>
+              <a:t>virtual machine instances</a:t>
+            </a:r>
+            <a:r>
+              <a:rPr lang="en-US" sz="1200" b="0" i="0" kern="1200" dirty="0">
+                <a:solidFill>
+                  <a:schemeClr val="tx1"/>
+                </a:solidFill>
+                <a:effectLst/>
+                <a:latin typeface="+mn-lt"/>
+                <a:ea typeface="+mn-ea"/>
+                <a:cs typeface="+mn-cs"/>
+              </a:rPr>
+              <a:t> pre-installed with Docker. </a:t>
+            </a:r>
+          </a:p>
+          <a:p>
+            <a:endParaRPr lang="en-US" sz="1200" b="0" i="0" kern="1200" dirty="0">
+              <a:solidFill>
+                <a:schemeClr val="tx1"/>
+              </a:solidFill>
+              <a:effectLst/>
+              <a:latin typeface="+mn-lt"/>
+              <a:ea typeface="+mn-ea"/>
+              <a:cs typeface="+mn-cs"/>
+            </a:endParaRPr>
+          </a:p>
+          <a:p>
+            <a:r>
+              <a:rPr lang="en-US" sz="1200" b="0" i="0" kern="1200" dirty="0">
+                <a:solidFill>
+                  <a:schemeClr val="tx1"/>
+                </a:solidFill>
+                <a:effectLst/>
+                <a:latin typeface="+mn-lt"/>
+                <a:ea typeface="+mn-ea"/>
+                <a:cs typeface="+mn-cs"/>
+              </a:rPr>
+              <a:t>AWS </a:t>
+            </a:r>
+            <a:r>
+              <a:rPr lang="en-US" sz="1200" b="1" i="0" kern="1200" dirty="0" err="1">
+                <a:solidFill>
+                  <a:schemeClr val="tx1"/>
+                </a:solidFill>
+                <a:effectLst/>
+                <a:latin typeface="+mn-lt"/>
+                <a:ea typeface="+mn-ea"/>
+                <a:cs typeface="+mn-cs"/>
+              </a:rPr>
+              <a:t>Fargate</a:t>
+            </a:r>
+            <a:r>
+              <a:rPr lang="en-US" sz="1200" b="0" i="0" kern="1200">
+                <a:solidFill>
+                  <a:schemeClr val="tx1"/>
+                </a:solidFill>
+                <a:effectLst/>
+                <a:latin typeface="+mn-lt"/>
+                <a:ea typeface="+mn-ea"/>
+                <a:cs typeface="+mn-cs"/>
+              </a:rPr>
+              <a:t> is a compute engine for Amazon ECS that allows you to run containers without having to manage servers or clusters</a:t>
+            </a:r>
+            <a:endParaRPr lang="en-US" dirty="0"/>
+          </a:p>
+        </p:txBody>
+      </p:sp>
+      <p:sp>
+        <p:nvSpPr>
+          <p:cNvPr id="4" name="Slide Number Placeholder 3"/>
+          <p:cNvSpPr>
+            <a:spLocks noGrp="1"/>
+          </p:cNvSpPr>
+          <p:nvPr>
+            <p:ph type="sldNum" sz="quarter" idx="5"/>
+          </p:nvPr>
+        </p:nvSpPr>
+        <p:spPr/>
+        <p:txBody>
+          <a:bodyPr/>
+          <a:lstStyle/>
+          <a:p>
+            <a:fld id="{854849D2-CA60-4E91-8A83-9389C3F76D2A}" type="slidenum">
+              <a:rPr lang="en-US" smtClean="0"/>
+              <a:t>7</a:t>
+            </a:fld>
+            <a:endParaRPr lang="en-US"/>
+          </a:p>
+        </p:txBody>
+      </p:sp>
+    </p:spTree>
+    <p:extLst>
+      <p:ext uri="{BB962C8B-B14F-4D97-AF65-F5344CB8AC3E}">
+        <p14:creationId xmlns:p14="http://schemas.microsoft.com/office/powerpoint/2010/main" val="2707212658"/>
+      </p:ext>
+    </p:extLst>
+  </p:cSld>
+  <p:clrMapOvr>
+    <a:masterClrMapping/>
+  </p:clrMapOvr>
+</p:notes>
 </file>
 
 <file path=ppt/slideLayouts/slideLayout1.xml><?xml version="1.0" encoding="utf-8"?>
@@ -1215,7 +3326,7 @@
           <a:p>
             <a:fld id="{27B8273F-2766-4200-80E4-DA0439332E4F}" type="datetimeFigureOut">
               <a:rPr lang="en-US" smtClean="0"/>
-              <a:t>9/2/2019</a:t>
+              <a:t>10/13/2019</a:t>
             </a:fld>
             <a:endParaRPr lang="en-US"/>
           </a:p>
@@ -1466,7 +3577,7 @@
           <a:p>
             <a:fld id="{27B8273F-2766-4200-80E4-DA0439332E4F}" type="datetimeFigureOut">
               <a:rPr lang="en-US" smtClean="0"/>
-              <a:t>9/2/2019</a:t>
+              <a:t>10/13/2019</a:t>
             </a:fld>
             <a:endParaRPr lang="en-US"/>
           </a:p>
@@ -1780,7 +3891,7 @@
           <a:p>
             <a:fld id="{27B8273F-2766-4200-80E4-DA0439332E4F}" type="datetimeFigureOut">
               <a:rPr lang="en-US" smtClean="0"/>
-              <a:t>9/2/2019</a:t>
+              <a:t>10/13/2019</a:t>
             </a:fld>
             <a:endParaRPr lang="en-US"/>
           </a:p>
@@ -2121,7 +4232,7 @@
           <a:p>
             <a:fld id="{27B8273F-2766-4200-80E4-DA0439332E4F}" type="datetimeFigureOut">
               <a:rPr lang="en-US" smtClean="0"/>
-              <a:t>9/2/2019</a:t>
+              <a:t>10/13/2019</a:t>
             </a:fld>
             <a:endParaRPr lang="en-US"/>
           </a:p>
@@ -2435,7 +4546,7 @@
           <a:p>
             <a:fld id="{27B8273F-2766-4200-80E4-DA0439332E4F}" type="datetimeFigureOut">
               <a:rPr lang="en-US" smtClean="0"/>
-              <a:t>9/2/2019</a:t>
+              <a:t>10/13/2019</a:t>
             </a:fld>
             <a:endParaRPr lang="en-US"/>
           </a:p>
@@ -2828,7 +4939,7 @@
           <a:p>
             <a:fld id="{27B8273F-2766-4200-80E4-DA0439332E4F}" type="datetimeFigureOut">
               <a:rPr lang="en-US" smtClean="0"/>
-              <a:t>9/2/2019</a:t>
+              <a:t>10/13/2019</a:t>
             </a:fld>
             <a:endParaRPr lang="en-US"/>
           </a:p>
@@ -2998,7 +5109,7 @@
           <a:p>
             <a:fld id="{27B8273F-2766-4200-80E4-DA0439332E4F}" type="datetimeFigureOut">
               <a:rPr lang="en-US" smtClean="0"/>
-              <a:t>9/2/2019</a:t>
+              <a:t>10/13/2019</a:t>
             </a:fld>
             <a:endParaRPr lang="en-US"/>
           </a:p>
@@ -3178,7 +5289,7 @@
           <a:p>
             <a:fld id="{27B8273F-2766-4200-80E4-DA0439332E4F}" type="datetimeFigureOut">
               <a:rPr lang="en-US" smtClean="0"/>
-              <a:t>9/2/2019</a:t>
+              <a:t>10/13/2019</a:t>
             </a:fld>
             <a:endParaRPr lang="en-US"/>
           </a:p>
@@ -3354,7 +5465,7 @@
           <a:p>
             <a:fld id="{27B8273F-2766-4200-80E4-DA0439332E4F}" type="datetimeFigureOut">
               <a:rPr lang="en-US" smtClean="0"/>
-              <a:t>9/2/2019</a:t>
+              <a:t>10/13/2019</a:t>
             </a:fld>
             <a:endParaRPr lang="en-US"/>
           </a:p>
@@ -3601,7 +5712,7 @@
           <a:p>
             <a:fld id="{27B8273F-2766-4200-80E4-DA0439332E4F}" type="datetimeFigureOut">
               <a:rPr lang="en-US" smtClean="0"/>
-              <a:t>9/2/2019</a:t>
+              <a:t>10/13/2019</a:t>
             </a:fld>
             <a:endParaRPr lang="en-US"/>
           </a:p>
@@ -3833,7 +5944,7 @@
           <a:p>
             <a:fld id="{27B8273F-2766-4200-80E4-DA0439332E4F}" type="datetimeFigureOut">
               <a:rPr lang="en-US" smtClean="0"/>
-              <a:t>9/2/2019</a:t>
+              <a:t>10/13/2019</a:t>
             </a:fld>
             <a:endParaRPr lang="en-US"/>
           </a:p>
@@ -4207,7 +6318,7 @@
           <a:p>
             <a:fld id="{27B8273F-2766-4200-80E4-DA0439332E4F}" type="datetimeFigureOut">
               <a:rPr lang="en-US" smtClean="0"/>
-              <a:t>9/2/2019</a:t>
+              <a:t>10/13/2019</a:t>
             </a:fld>
             <a:endParaRPr lang="en-US"/>
           </a:p>
@@ -4330,7 +6441,7 @@
           <a:p>
             <a:fld id="{27B8273F-2766-4200-80E4-DA0439332E4F}" type="datetimeFigureOut">
               <a:rPr lang="en-US" smtClean="0"/>
-              <a:t>9/2/2019</a:t>
+              <a:t>10/13/2019</a:t>
             </a:fld>
             <a:endParaRPr lang="en-US"/>
           </a:p>
@@ -4425,7 +6536,7 @@
           <a:p>
             <a:fld id="{27B8273F-2766-4200-80E4-DA0439332E4F}" type="datetimeFigureOut">
               <a:rPr lang="en-US" smtClean="0"/>
-              <a:t>9/2/2019</a:t>
+              <a:t>10/13/2019</a:t>
             </a:fld>
             <a:endParaRPr lang="en-US"/>
           </a:p>
@@ -4680,7 +6791,7 @@
           <a:p>
             <a:fld id="{27B8273F-2766-4200-80E4-DA0439332E4F}" type="datetimeFigureOut">
               <a:rPr lang="en-US" smtClean="0"/>
-              <a:t>9/2/2019</a:t>
+              <a:t>10/13/2019</a:t>
             </a:fld>
             <a:endParaRPr lang="en-US"/>
           </a:p>
@@ -4943,7 +7054,7 @@
           <a:p>
             <a:fld id="{27B8273F-2766-4200-80E4-DA0439332E4F}" type="datetimeFigureOut">
               <a:rPr lang="en-US" smtClean="0"/>
-              <a:t>9/2/2019</a:t>
+              <a:t>10/13/2019</a:t>
             </a:fld>
             <a:endParaRPr lang="en-US"/>
           </a:p>
@@ -5686,7 +7797,7 @@
           <a:p>
             <a:fld id="{27B8273F-2766-4200-80E4-DA0439332E4F}" type="datetimeFigureOut">
               <a:rPr lang="en-US" smtClean="0"/>
-              <a:t>9/2/2019</a:t>
+              <a:t>10/13/2019</a:t>
             </a:fld>
             <a:endParaRPr lang="en-US"/>
           </a:p>
@@ -6233,7 +8344,7 @@
           <p:nvPr/>
         </p:nvPicPr>
         <p:blipFill rotWithShape="1">
-          <a:blip r:embed="rId2"/>
+          <a:blip r:embed="rId3"/>
           <a:srcRect l="33438" t="9091" r="11953" b="-1"/>
           <a:stretch/>
         </p:blipFill>
@@ -7094,6 +9205,36 @@
           </a:p>
         </p:txBody>
       </p:sp>
+      <p:pic>
+        <p:nvPicPr>
+          <p:cNvPr id="5" name="Picture 4">
+            <a:extLst>
+              <a:ext uri="{FF2B5EF4-FFF2-40B4-BE49-F238E27FC236}">
+                <a16:creationId xmlns:a16="http://schemas.microsoft.com/office/drawing/2014/main" id="{EE071AA2-1D32-4F9B-B4C6-369844F5F382}"/>
+              </a:ext>
+            </a:extLst>
+          </p:cNvPr>
+          <p:cNvPicPr>
+            <a:picLocks noChangeAspect="1"/>
+          </p:cNvPicPr>
+          <p:nvPr/>
+        </p:nvPicPr>
+        <p:blipFill>
+          <a:blip r:embed="rId4"/>
+          <a:stretch>
+            <a:fillRect/>
+          </a:stretch>
+        </p:blipFill>
+        <p:spPr>
+          <a:xfrm>
+            <a:off x="1597004" y="4261238"/>
+            <a:ext cx="2936157" cy="1731175"/>
+          </a:xfrm>
+          <a:prstGeom prst="rect">
+            <a:avLst/>
+          </a:prstGeom>
+        </p:spPr>
+      </p:pic>
     </p:spTree>
     <p:extLst>
       <p:ext uri="{BB962C8B-B14F-4D97-AF65-F5344CB8AC3E}">
@@ -7178,7 +9319,7 @@
         <p:spPr>
           <a:xfrm>
             <a:off x="344778" y="1467566"/>
-            <a:ext cx="3622753" cy="3922867"/>
+            <a:ext cx="3838339" cy="3924241"/>
           </a:xfrm>
         </p:spPr>
         <p:txBody>
@@ -7198,13 +9339,13 @@
           <a:p>
             <a:r>
               <a:rPr lang="en-US" dirty="0"/>
-              <a:t>Docker Client</a:t>
+              <a:t>Docker Client (CLI)</a:t>
             </a:r>
           </a:p>
           <a:p>
             <a:r>
               <a:rPr lang="en-US" dirty="0"/>
-              <a:t>Docker Daemon</a:t>
+              <a:t>Docker Daemon (server)</a:t>
             </a:r>
           </a:p>
           <a:p>
@@ -7215,24 +9356,30 @@
           </a:p>
           <a:p>
             <a:r>
-              <a:rPr lang="en-US"/>
-              <a:t>Docker Registries</a:t>
-            </a:r>
-            <a:endParaRPr lang="en-US" dirty="0"/>
-          </a:p>
-          <a:p>
-            <a:r>
               <a:rPr lang="en-US" dirty="0"/>
               <a:t>Containers</a:t>
             </a:r>
           </a:p>
           <a:p>
             <a:r>
+              <a:rPr lang="en-US" sz="1400" i="1" dirty="0"/>
+              <a:t>Docker Containers</a:t>
+            </a:r>
+            <a:endParaRPr lang="en-US" i="1" dirty="0"/>
+          </a:p>
+          <a:p>
+            <a:r>
               <a:rPr lang="en-US" dirty="0"/>
               <a:t>Docker Engine</a:t>
             </a:r>
           </a:p>
           <a:p>
+            <a:r>
+              <a:rPr lang="en-US" dirty="0"/>
+              <a:t>Docker Registries (Docker Hub)</a:t>
+            </a:r>
+          </a:p>
+          <a:p>
             <a:endParaRPr lang="en-US" dirty="0"/>
           </a:p>
           <a:p>
@@ -7243,12 +9390,279 @@
           </a:p>
         </p:txBody>
       </p:sp>
+      <p:cxnSp>
+        <p:nvCxnSpPr>
+          <p:cNvPr id="26" name="Straight Connector 25">
+            <a:extLst>
+              <a:ext uri="{FF2B5EF4-FFF2-40B4-BE49-F238E27FC236}">
+                <a16:creationId xmlns:a16="http://schemas.microsoft.com/office/drawing/2014/main" id="{3879F246-C074-4214-9AAC-7CF25D7182F9}"/>
+              </a:ext>
+            </a:extLst>
+          </p:cNvPr>
+          <p:cNvCxnSpPr>
+            <a:cxnSpLocks/>
+          </p:cNvCxnSpPr>
+          <p:nvPr/>
+        </p:nvCxnSpPr>
+        <p:spPr>
+          <a:xfrm>
+            <a:off x="2646094" y="3155894"/>
+            <a:ext cx="372234" cy="0"/>
+          </a:xfrm>
+          <a:prstGeom prst="line">
+            <a:avLst/>
+          </a:prstGeom>
+        </p:spPr>
+        <p:style>
+          <a:lnRef idx="1">
+            <a:schemeClr val="accent1"/>
+          </a:lnRef>
+          <a:fillRef idx="0">
+            <a:schemeClr val="accent1"/>
+          </a:fillRef>
+          <a:effectRef idx="0">
+            <a:schemeClr val="accent1"/>
+          </a:effectRef>
+          <a:fontRef idx="minor">
+            <a:schemeClr val="tx1"/>
+          </a:fontRef>
+        </p:style>
+      </p:cxnSp>
+      <p:cxnSp>
+        <p:nvCxnSpPr>
+          <p:cNvPr id="30" name="Straight Connector 29">
+            <a:extLst>
+              <a:ext uri="{FF2B5EF4-FFF2-40B4-BE49-F238E27FC236}">
+                <a16:creationId xmlns:a16="http://schemas.microsoft.com/office/drawing/2014/main" id="{89B697BC-E124-4DA0-908A-7BEE766F66FC}"/>
+              </a:ext>
+            </a:extLst>
+          </p:cNvPr>
+          <p:cNvCxnSpPr>
+            <a:cxnSpLocks/>
+          </p:cNvCxnSpPr>
+          <p:nvPr/>
+        </p:nvCxnSpPr>
+        <p:spPr>
+          <a:xfrm>
+            <a:off x="3018328" y="3155894"/>
+            <a:ext cx="0" cy="785484"/>
+          </a:xfrm>
+          <a:prstGeom prst="line">
+            <a:avLst/>
+          </a:prstGeom>
+        </p:spPr>
+        <p:style>
+          <a:lnRef idx="1">
+            <a:schemeClr val="accent1"/>
+          </a:lnRef>
+          <a:fillRef idx="0">
+            <a:schemeClr val="accent1"/>
+          </a:fillRef>
+          <a:effectRef idx="0">
+            <a:schemeClr val="accent1"/>
+          </a:effectRef>
+          <a:fontRef idx="minor">
+            <a:schemeClr val="tx1"/>
+          </a:fontRef>
+        </p:style>
+      </p:cxnSp>
+      <p:cxnSp>
+        <p:nvCxnSpPr>
+          <p:cNvPr id="33" name="Straight Arrow Connector 32">
+            <a:extLst>
+              <a:ext uri="{FF2B5EF4-FFF2-40B4-BE49-F238E27FC236}">
+                <a16:creationId xmlns:a16="http://schemas.microsoft.com/office/drawing/2014/main" id="{35B96EDA-46CC-4D9C-9621-02838D7F0521}"/>
+              </a:ext>
+            </a:extLst>
+          </p:cNvPr>
+          <p:cNvCxnSpPr>
+            <a:cxnSpLocks/>
+          </p:cNvCxnSpPr>
+          <p:nvPr/>
+        </p:nvCxnSpPr>
+        <p:spPr>
+          <a:xfrm flipH="1">
+            <a:off x="2646093" y="3941378"/>
+            <a:ext cx="372237" cy="0"/>
+          </a:xfrm>
+          <a:prstGeom prst="straightConnector1">
+            <a:avLst/>
+          </a:prstGeom>
+          <a:ln>
+            <a:tailEnd type="triangle"/>
+          </a:ln>
+        </p:spPr>
+        <p:style>
+          <a:lnRef idx="1">
+            <a:schemeClr val="accent1"/>
+          </a:lnRef>
+          <a:fillRef idx="0">
+            <a:schemeClr val="accent1"/>
+          </a:fillRef>
+          <a:effectRef idx="0">
+            <a:schemeClr val="accent1"/>
+          </a:effectRef>
+          <a:fontRef idx="minor">
+            <a:schemeClr val="tx1"/>
+          </a:fontRef>
+        </p:style>
+      </p:cxnSp>
+      <p:sp>
+        <p:nvSpPr>
+          <p:cNvPr id="35" name="TextBox 34">
+            <a:extLst>
+              <a:ext uri="{FF2B5EF4-FFF2-40B4-BE49-F238E27FC236}">
+                <a16:creationId xmlns:a16="http://schemas.microsoft.com/office/drawing/2014/main" id="{0631F7BB-A003-4AC8-ADB7-AA3FD5EF17A7}"/>
+              </a:ext>
+            </a:extLst>
+          </p:cNvPr>
+          <p:cNvSpPr txBox="1"/>
+          <p:nvPr/>
+        </p:nvSpPr>
+        <p:spPr>
+          <a:xfrm>
+            <a:off x="3060764" y="3488007"/>
+            <a:ext cx="1610315" cy="261610"/>
+          </a:xfrm>
+          <a:prstGeom prst="rect">
+            <a:avLst/>
+          </a:prstGeom>
+          <a:noFill/>
+        </p:spPr>
+        <p:txBody>
+          <a:bodyPr wrap="square" rtlCol="0">
+            <a:spAutoFit/>
+          </a:bodyPr>
+          <a:lstStyle/>
+          <a:p>
+            <a:r>
+              <a:rPr lang="en-US" sz="1100" dirty="0"/>
+              <a:t>runtime</a:t>
+            </a:r>
+          </a:p>
+        </p:txBody>
+      </p:sp>
+      <p:sp>
+        <p:nvSpPr>
+          <p:cNvPr id="43" name="TextBox 42">
+            <a:extLst>
+              <a:ext uri="{FF2B5EF4-FFF2-40B4-BE49-F238E27FC236}">
+                <a16:creationId xmlns:a16="http://schemas.microsoft.com/office/drawing/2014/main" id="{23EA912E-3993-47DC-93C5-952268B17557}"/>
+              </a:ext>
+            </a:extLst>
+          </p:cNvPr>
+          <p:cNvSpPr txBox="1"/>
+          <p:nvPr/>
+        </p:nvSpPr>
+        <p:spPr>
+          <a:xfrm>
+            <a:off x="1840936" y="3428999"/>
+            <a:ext cx="1610315" cy="261610"/>
+          </a:xfrm>
+          <a:prstGeom prst="rect">
+            <a:avLst/>
+          </a:prstGeom>
+          <a:noFill/>
+        </p:spPr>
+        <p:txBody>
+          <a:bodyPr wrap="square" rtlCol="0">
+            <a:spAutoFit/>
+          </a:bodyPr>
+          <a:lstStyle/>
+          <a:p>
+            <a:r>
+              <a:rPr lang="en-US" sz="1100" dirty="0"/>
+              <a:t>- artifact, file</a:t>
+            </a:r>
+          </a:p>
+        </p:txBody>
+      </p:sp>
+      <p:cxnSp>
+        <p:nvCxnSpPr>
+          <p:cNvPr id="48" name="Straight Arrow Connector 47">
+            <a:extLst>
+              <a:ext uri="{FF2B5EF4-FFF2-40B4-BE49-F238E27FC236}">
+                <a16:creationId xmlns:a16="http://schemas.microsoft.com/office/drawing/2014/main" id="{E82AB2A8-95DB-45ED-BD2B-62FE0B4634E4}"/>
+              </a:ext>
+            </a:extLst>
+          </p:cNvPr>
+          <p:cNvCxnSpPr/>
+          <p:nvPr/>
+        </p:nvCxnSpPr>
+        <p:spPr>
+          <a:xfrm>
+            <a:off x="1481959" y="3669589"/>
+            <a:ext cx="0" cy="156177"/>
+          </a:xfrm>
+          <a:prstGeom prst="straightConnector1">
+            <a:avLst/>
+          </a:prstGeom>
+          <a:ln>
+            <a:tailEnd type="triangle"/>
+          </a:ln>
+        </p:spPr>
+        <p:style>
+          <a:lnRef idx="1">
+            <a:schemeClr val="accent1"/>
+          </a:lnRef>
+          <a:fillRef idx="0">
+            <a:schemeClr val="accent1"/>
+          </a:fillRef>
+          <a:effectRef idx="0">
+            <a:schemeClr val="accent1"/>
+          </a:effectRef>
+          <a:fontRef idx="minor">
+            <a:schemeClr val="tx1"/>
+          </a:fontRef>
+        </p:style>
+      </p:cxnSp>
+      <p:cxnSp>
+        <p:nvCxnSpPr>
+          <p:cNvPr id="49" name="Straight Arrow Connector 48">
+            <a:extLst>
+              <a:ext uri="{FF2B5EF4-FFF2-40B4-BE49-F238E27FC236}">
+                <a16:creationId xmlns:a16="http://schemas.microsoft.com/office/drawing/2014/main" id="{0D1E1F92-FE20-4B33-96CD-E3C07A266606}"/>
+              </a:ext>
+            </a:extLst>
+          </p:cNvPr>
+          <p:cNvCxnSpPr>
+            <a:cxnSpLocks/>
+          </p:cNvCxnSpPr>
+          <p:nvPr/>
+        </p:nvCxnSpPr>
+        <p:spPr>
+          <a:xfrm flipH="1">
+            <a:off x="2832210" y="3548636"/>
+            <a:ext cx="186118" cy="11168"/>
+          </a:xfrm>
+          <a:prstGeom prst="straightConnector1">
+            <a:avLst/>
+          </a:prstGeom>
+          <a:ln>
+            <a:tailEnd type="triangle"/>
+          </a:ln>
+        </p:spPr>
+        <p:style>
+          <a:lnRef idx="1">
+            <a:schemeClr val="accent1"/>
+          </a:lnRef>
+          <a:fillRef idx="0">
+            <a:schemeClr val="accent1"/>
+          </a:fillRef>
+          <a:effectRef idx="0">
+            <a:schemeClr val="accent1"/>
+          </a:effectRef>
+          <a:fontRef idx="minor">
+            <a:schemeClr val="tx1"/>
+          </a:fontRef>
+        </p:style>
+      </p:cxnSp>
       <p:pic>
         <p:nvPicPr>
-          <p:cNvPr id="2" name="Picture 1">
+          <p:cNvPr id="52" name="Picture 51">
             <a:extLst>
               <a:ext uri="{FF2B5EF4-FFF2-40B4-BE49-F238E27FC236}">
-                <a16:creationId xmlns:a16="http://schemas.microsoft.com/office/drawing/2014/main" id="{0C9AE22D-49B4-462B-B03B-A02C5ECFAD4F}"/>
+                <a16:creationId xmlns:a16="http://schemas.microsoft.com/office/drawing/2014/main" id="{E7D21BA1-A620-4AB0-B650-57B5E719E2C6}"/>
               </a:ext>
             </a:extLst>
           </p:cNvPr>
@@ -7258,15 +9672,15 @@
           <p:nvPr/>
         </p:nvPicPr>
         <p:blipFill>
-          <a:blip r:embed="rId2"/>
+          <a:blip r:embed="rId3"/>
           <a:stretch>
             <a:fillRect/>
           </a:stretch>
         </p:blipFill>
         <p:spPr>
           <a:xfrm>
-            <a:off x="4666228" y="1210233"/>
-            <a:ext cx="4629705" cy="3934738"/>
+            <a:off x="4004443" y="1071616"/>
+            <a:ext cx="5239501" cy="4832782"/>
           </a:xfrm>
           <a:prstGeom prst="rect">
             <a:avLst/>
@@ -7287,6 +9701,212 @@
 </file>
 
 <file path=ppt/slides/slide3.xml><?xml version="1.0" encoding="utf-8"?>
+<p:sld xmlns:a="http://schemas.openxmlformats.org/drawingml/2006/main" xmlns:r="http://schemas.openxmlformats.org/officeDocument/2006/relationships" xmlns:p="http://schemas.openxmlformats.org/presentationml/2006/main">
+  <p:cSld>
+    <p:spTree>
+      <p:nvGrpSpPr>
+        <p:cNvPr id="1" name=""/>
+        <p:cNvGrpSpPr/>
+        <p:nvPr/>
+      </p:nvGrpSpPr>
+      <p:grpSpPr>
+        <a:xfrm>
+          <a:off x="0" y="0"/>
+          <a:ext cx="0" cy="0"/>
+          <a:chOff x="0" y="0"/>
+          <a:chExt cx="0" cy="0"/>
+        </a:xfrm>
+      </p:grpSpPr>
+      <p:sp>
+        <p:nvSpPr>
+          <p:cNvPr id="4" name="Title 2">
+            <a:extLst>
+              <a:ext uri="{FF2B5EF4-FFF2-40B4-BE49-F238E27FC236}">
+                <a16:creationId xmlns:a16="http://schemas.microsoft.com/office/drawing/2014/main" id="{FE3AC979-55DE-4C18-9AC9-951092525593}"/>
+              </a:ext>
+            </a:extLst>
+          </p:cNvPr>
+          <p:cNvSpPr>
+            <a:spLocks noGrp="1"/>
+          </p:cNvSpPr>
+          <p:nvPr>
+            <p:ph type="title"/>
+          </p:nvPr>
+        </p:nvSpPr>
+        <p:spPr>
+          <a:xfrm>
+            <a:off x="304800" y="228600"/>
+            <a:ext cx="10769600" cy="543739"/>
+          </a:xfrm>
+        </p:spPr>
+        <p:txBody>
+          <a:bodyPr>
+            <a:normAutofit fontScale="90000"/>
+          </a:bodyPr>
+          <a:lstStyle/>
+          <a:p>
+            <a:r>
+              <a:rPr lang="en-US" dirty="0"/>
+              <a:t>Containerized App vs App running on VM</a:t>
+            </a:r>
+          </a:p>
+        </p:txBody>
+      </p:sp>
+      <p:pic>
+        <p:nvPicPr>
+          <p:cNvPr id="6" name="Picture 5">
+            <a:extLst>
+              <a:ext uri="{FF2B5EF4-FFF2-40B4-BE49-F238E27FC236}">
+                <a16:creationId xmlns:a16="http://schemas.microsoft.com/office/drawing/2014/main" id="{11DBD92D-9D4C-423A-8577-D6968D01FD79}"/>
+              </a:ext>
+            </a:extLst>
+          </p:cNvPr>
+          <p:cNvPicPr>
+            <a:picLocks noChangeAspect="1"/>
+          </p:cNvPicPr>
+          <p:nvPr/>
+        </p:nvPicPr>
+        <p:blipFill>
+          <a:blip r:embed="rId3"/>
+          <a:stretch>
+            <a:fillRect/>
+          </a:stretch>
+        </p:blipFill>
+        <p:spPr>
+          <a:xfrm>
+            <a:off x="484695" y="1383483"/>
+            <a:ext cx="4705160" cy="3810858"/>
+          </a:xfrm>
+          <a:prstGeom prst="rect">
+            <a:avLst/>
+          </a:prstGeom>
+        </p:spPr>
+      </p:pic>
+      <p:pic>
+        <p:nvPicPr>
+          <p:cNvPr id="5" name="Picture 4">
+            <a:extLst>
+              <a:ext uri="{FF2B5EF4-FFF2-40B4-BE49-F238E27FC236}">
+                <a16:creationId xmlns:a16="http://schemas.microsoft.com/office/drawing/2014/main" id="{1F8CD228-1D2D-40E2-BBFA-50EB3E7E85C3}"/>
+              </a:ext>
+            </a:extLst>
+          </p:cNvPr>
+          <p:cNvPicPr>
+            <a:picLocks noChangeAspect="1"/>
+          </p:cNvPicPr>
+          <p:nvPr/>
+        </p:nvPicPr>
+        <p:blipFill>
+          <a:blip r:embed="rId4"/>
+          <a:stretch>
+            <a:fillRect/>
+          </a:stretch>
+        </p:blipFill>
+        <p:spPr>
+          <a:xfrm>
+            <a:off x="6169572" y="1754306"/>
+            <a:ext cx="4164231" cy="3666898"/>
+          </a:xfrm>
+          <a:prstGeom prst="rect">
+            <a:avLst/>
+          </a:prstGeom>
+        </p:spPr>
+      </p:pic>
+      <p:sp>
+        <p:nvSpPr>
+          <p:cNvPr id="7" name="TextBox 6">
+            <a:extLst>
+              <a:ext uri="{FF2B5EF4-FFF2-40B4-BE49-F238E27FC236}">
+                <a16:creationId xmlns:a16="http://schemas.microsoft.com/office/drawing/2014/main" id="{8E375CDA-B1A4-4839-AD30-69207D13439B}"/>
+              </a:ext>
+            </a:extLst>
+          </p:cNvPr>
+          <p:cNvSpPr txBox="1"/>
+          <p:nvPr/>
+        </p:nvSpPr>
+        <p:spPr>
+          <a:xfrm>
+            <a:off x="7739367" y="1252130"/>
+            <a:ext cx="1024639" cy="369332"/>
+          </a:xfrm>
+          <a:prstGeom prst="rect">
+            <a:avLst/>
+          </a:prstGeom>
+          <a:noFill/>
+        </p:spPr>
+        <p:txBody>
+          <a:bodyPr wrap="none" rtlCol="0">
+            <a:spAutoFit/>
+          </a:bodyPr>
+          <a:lstStyle/>
+          <a:p>
+            <a:r>
+              <a:rPr lang="en-US" dirty="0"/>
+              <a:t>VM apps</a:t>
+            </a:r>
+          </a:p>
+        </p:txBody>
+      </p:sp>
+      <p:sp>
+        <p:nvSpPr>
+          <p:cNvPr id="8" name="Arrow: Left-Right 7">
+            <a:extLst>
+              <a:ext uri="{FF2B5EF4-FFF2-40B4-BE49-F238E27FC236}">
+                <a16:creationId xmlns:a16="http://schemas.microsoft.com/office/drawing/2014/main" id="{C4275614-DD0F-4A25-BB6C-835713CEC196}"/>
+              </a:ext>
+            </a:extLst>
+          </p:cNvPr>
+          <p:cNvSpPr/>
+          <p:nvPr/>
+        </p:nvSpPr>
+        <p:spPr>
+          <a:xfrm>
+            <a:off x="5433848" y="3429000"/>
+            <a:ext cx="420414" cy="155028"/>
+          </a:xfrm>
+          <a:prstGeom prst="leftRightArrow">
+            <a:avLst/>
+          </a:prstGeom>
+        </p:spPr>
+        <p:style>
+          <a:lnRef idx="2">
+            <a:schemeClr val="accent1">
+              <a:shade val="50000"/>
+            </a:schemeClr>
+          </a:lnRef>
+          <a:fillRef idx="1">
+            <a:schemeClr val="accent1"/>
+          </a:fillRef>
+          <a:effectRef idx="0">
+            <a:schemeClr val="accent1"/>
+          </a:effectRef>
+          <a:fontRef idx="minor">
+            <a:schemeClr val="lt1"/>
+          </a:fontRef>
+        </p:style>
+        <p:txBody>
+          <a:bodyPr rtlCol="0" anchor="ctr"/>
+          <a:lstStyle/>
+          <a:p>
+            <a:pPr algn="ctr"/>
+            <a:endParaRPr lang="en-US"/>
+          </a:p>
+        </p:txBody>
+      </p:sp>
+    </p:spTree>
+    <p:extLst>
+      <p:ext uri="{BB962C8B-B14F-4D97-AF65-F5344CB8AC3E}">
+        <p14:creationId xmlns:p14="http://schemas.microsoft.com/office/powerpoint/2010/main" val="3196456993"/>
+      </p:ext>
+    </p:extLst>
+  </p:cSld>
+  <p:clrMapOvr>
+    <a:masterClrMapping/>
+  </p:clrMapOvr>
+</p:sld>
+</file>
+
+<file path=ppt/slides/slide4.xml><?xml version="1.0" encoding="utf-8"?>
 <p:sld xmlns:a="http://schemas.openxmlformats.org/drawingml/2006/main" xmlns:r="http://schemas.openxmlformats.org/officeDocument/2006/relationships" xmlns:p="http://schemas.openxmlformats.org/presentationml/2006/main">
   <p:cSld>
     <p:bg>
@@ -7361,7 +9981,7 @@
           <p:nvPr/>
         </p:nvPicPr>
         <p:blipFill>
-          <a:blip r:embed="rId2"/>
+          <a:blip r:embed="rId3"/>
           <a:stretch>
             <a:fillRect/>
           </a:stretch>
@@ -7401,7 +10021,7 @@
         </p:spPr>
         <p:txBody>
           <a:bodyPr vert="horz" lIns="91440" tIns="45720" rIns="91440" bIns="45720" rtlCol="0">
-            <a:normAutofit/>
+            <a:normAutofit lnSpcReduction="10000"/>
           </a:bodyPr>
           <a:lstStyle>
             <a:lvl1pPr marL="342900" indent="-342900" algn="l" defTabSz="457200" rtl="0" eaLnBrk="1" latinLnBrk="0" hangingPunct="1">
@@ -7644,8 +10264,15 @@
           <a:p>
             <a:r>
               <a:rPr lang="en-US" sz="1500" dirty="0"/>
-              <a:t>&gt;docker images</a:t>
-            </a:r>
+              <a:t>&gt;docker images or &gt;docker image ls</a:t>
+            </a:r>
+          </a:p>
+          <a:p>
+            <a:r>
+              <a:rPr lang="en-US" dirty="0"/>
+              <a:t>$ docker pull ubuntu or &lt;image&gt;</a:t>
+            </a:r>
+            <a:endParaRPr lang="en-US" sz="1500" dirty="0"/>
           </a:p>
           <a:p>
             <a:r>
@@ -7695,6 +10322,40 @@
             <a:r>
               <a:rPr lang="en-US" sz="1500" dirty="0"/>
               <a:t>&gt;docker start/stop &lt;hash&gt;</a:t>
+            </a:r>
+          </a:p>
+          <a:p>
+            <a:r>
+              <a:rPr lang="en-US" dirty="0"/>
+              <a:t>$ docker container search </a:t>
+            </a:r>
+            <a:r>
+              <a:rPr lang="en-US" dirty="0" err="1"/>
+              <a:t>redis</a:t>
+            </a:r>
+            <a:endParaRPr lang="en-US" dirty="0"/>
+          </a:p>
+          <a:p>
+            <a:r>
+              <a:rPr lang="en-US" dirty="0"/>
+              <a:t>$ docker container run </a:t>
+            </a:r>
+            <a:r>
+              <a:rPr lang="en-US" dirty="0" err="1"/>
+              <a:t>redis</a:t>
+            </a:r>
+            <a:endParaRPr lang="en-US" dirty="0"/>
+          </a:p>
+          <a:p>
+            <a:r>
+              <a:rPr lang="en-US" dirty="0"/>
+              <a:t>$ docker container start &lt;container ID&gt;</a:t>
+            </a:r>
+          </a:p>
+          <a:p>
+            <a:r>
+              <a:rPr lang="en-US" sz="1500" dirty="0"/>
+              <a:t>$ docker container ls -a</a:t>
             </a:r>
           </a:p>
         </p:txBody>
@@ -7712,7 +10373,7 @@
 </p:sld>
 </file>
 
-<file path=ppt/slides/slide4.xml><?xml version="1.0" encoding="utf-8"?>
+<file path=ppt/slides/slide5.xml><?xml version="1.0" encoding="utf-8"?>
 <p:sld xmlns:a="http://schemas.openxmlformats.org/drawingml/2006/main" xmlns:r="http://schemas.openxmlformats.org/officeDocument/2006/relationships" xmlns:p="http://schemas.openxmlformats.org/presentationml/2006/main">
   <p:cSld>
     <p:spTree>
@@ -7744,7 +10405,7 @@
           <p:nvPr/>
         </p:nvPicPr>
         <p:blipFill>
-          <a:blip r:embed="rId2">
+          <a:blip r:embed="rId3">
             <a:extLst>
               <a:ext uri="{28A0092B-C50C-407E-A947-70E740481C1C}">
                 <a14:useLocalDpi xmlns:a14="http://schemas.microsoft.com/office/drawing/2010/main" val="0"/>
@@ -7757,7 +10418,7 @@
         </p:blipFill>
         <p:spPr>
           <a:xfrm>
-            <a:off x="3157683" y="367235"/>
+            <a:off x="3357380" y="356724"/>
             <a:ext cx="6492459" cy="5880934"/>
           </a:xfrm>
           <a:prstGeom prst="rect">
@@ -7824,7 +10485,7 @@
           <a:p>
             <a:r>
               <a:rPr lang="en-US" dirty="0"/>
-              <a:t>Deploy to OpenShift, AWS</a:t>
+              <a:t>Deploy to OpenShift, AWS (ECS)</a:t>
             </a:r>
           </a:p>
           <a:p>
@@ -7896,7 +10557,7 @@
 </p:sld>
 </file>
 
-<file path=ppt/slides/slide5.xml><?xml version="1.0" encoding="utf-8"?>
+<file path=ppt/slides/slide6.xml><?xml version="1.0" encoding="utf-8"?>
 <p:sld xmlns:a="http://schemas.openxmlformats.org/drawingml/2006/main" xmlns:r="http://schemas.openxmlformats.org/officeDocument/2006/relationships" xmlns:p="http://schemas.openxmlformats.org/presentationml/2006/main">
   <p:cSld>
     <p:spTree>
@@ -8541,6 +11202,390 @@
     <p:extLst>
       <p:ext uri="{BB962C8B-B14F-4D97-AF65-F5344CB8AC3E}">
         <p14:creationId xmlns:p14="http://schemas.microsoft.com/office/powerpoint/2010/main" val="3250235399"/>
+      </p:ext>
+    </p:extLst>
+  </p:cSld>
+  <p:clrMapOvr>
+    <a:masterClrMapping/>
+  </p:clrMapOvr>
+</p:sld>
+</file>
+
+<file path=ppt/slides/slide7.xml><?xml version="1.0" encoding="utf-8"?>
+<p:sld xmlns:a="http://schemas.openxmlformats.org/drawingml/2006/main" xmlns:r="http://schemas.openxmlformats.org/officeDocument/2006/relationships" xmlns:p="http://schemas.openxmlformats.org/presentationml/2006/main">
+  <p:cSld>
+    <p:spTree>
+      <p:nvGrpSpPr>
+        <p:cNvPr id="1" name=""/>
+        <p:cNvGrpSpPr/>
+        <p:nvPr/>
+      </p:nvGrpSpPr>
+      <p:grpSpPr>
+        <a:xfrm>
+          <a:off x="0" y="0"/>
+          <a:ext cx="0" cy="0"/>
+          <a:chOff x="0" y="0"/>
+          <a:chExt cx="0" cy="0"/>
+        </a:xfrm>
+      </p:grpSpPr>
+      <p:sp>
+        <p:nvSpPr>
+          <p:cNvPr id="19" name="Title 2">
+            <a:extLst>
+              <a:ext uri="{FF2B5EF4-FFF2-40B4-BE49-F238E27FC236}">
+                <a16:creationId xmlns:a16="http://schemas.microsoft.com/office/drawing/2014/main" id="{7F1FB26D-66CC-45E4-B126-1A4B71844352}"/>
+              </a:ext>
+            </a:extLst>
+          </p:cNvPr>
+          <p:cNvSpPr>
+            <a:spLocks noGrp="1"/>
+          </p:cNvSpPr>
+          <p:nvPr>
+            <p:ph type="title"/>
+          </p:nvPr>
+        </p:nvSpPr>
+        <p:spPr>
+          <a:xfrm>
+            <a:off x="304800" y="228600"/>
+            <a:ext cx="10769600" cy="543739"/>
+          </a:xfrm>
+        </p:spPr>
+        <p:txBody>
+          <a:bodyPr>
+            <a:normAutofit fontScale="90000"/>
+          </a:bodyPr>
+          <a:lstStyle/>
+          <a:p>
+            <a:r>
+              <a:rPr lang="en-US" dirty="0"/>
+              <a:t>AWS ESC</a:t>
+            </a:r>
+          </a:p>
+        </p:txBody>
+      </p:sp>
+      <p:sp>
+        <p:nvSpPr>
+          <p:cNvPr id="11" name="Content Placeholder 1">
+            <a:extLst>
+              <a:ext uri="{FF2B5EF4-FFF2-40B4-BE49-F238E27FC236}">
+                <a16:creationId xmlns:a16="http://schemas.microsoft.com/office/drawing/2014/main" id="{F0E9AB88-C571-4E13-B6FC-BBF16380A38A}"/>
+              </a:ext>
+            </a:extLst>
+          </p:cNvPr>
+          <p:cNvSpPr txBox="1">
+            <a:spLocks/>
+          </p:cNvSpPr>
+          <p:nvPr/>
+        </p:nvSpPr>
+        <p:spPr>
+          <a:xfrm>
+            <a:off x="480484" y="1439864"/>
+            <a:ext cx="11119104" cy="22509636"/>
+          </a:xfrm>
+          <a:prstGeom prst="rect">
+            <a:avLst/>
+          </a:prstGeom>
+        </p:spPr>
+        <p:txBody>
+          <a:bodyPr vert="horz" lIns="91440" tIns="45720" rIns="91440" bIns="45720" rtlCol="0">
+            <a:normAutofit/>
+          </a:bodyPr>
+          <a:lstStyle>
+            <a:lvl1pPr marL="342900" indent="-342900" algn="l" defTabSz="457200" rtl="0" eaLnBrk="1" latinLnBrk="0" hangingPunct="1">
+              <a:spcBef>
+                <a:spcPts val="1000"/>
+              </a:spcBef>
+              <a:spcAft>
+                <a:spcPts val="0"/>
+              </a:spcAft>
+              <a:buClr>
+                <a:schemeClr val="accent1"/>
+              </a:buClr>
+              <a:buSzPct val="80000"/>
+              <a:buFont typeface="Wingdings 3" charset="2"/>
+              <a:buChar char=""/>
+              <a:defRPr sz="1800" kern="1200">
+                <a:solidFill>
+                  <a:schemeClr val="tx1">
+                    <a:lumMod val="75000"/>
+                    <a:lumOff val="25000"/>
+                  </a:schemeClr>
+                </a:solidFill>
+                <a:latin typeface="+mn-lt"/>
+                <a:ea typeface="+mn-ea"/>
+                <a:cs typeface="+mn-cs"/>
+              </a:defRPr>
+            </a:lvl1pPr>
+            <a:lvl2pPr marL="742950" indent="-285750" algn="l" defTabSz="457200" rtl="0" eaLnBrk="1" latinLnBrk="0" hangingPunct="1">
+              <a:spcBef>
+                <a:spcPts val="1000"/>
+              </a:spcBef>
+              <a:spcAft>
+                <a:spcPts val="0"/>
+              </a:spcAft>
+              <a:buClr>
+                <a:schemeClr val="accent1"/>
+              </a:buClr>
+              <a:buSzPct val="80000"/>
+              <a:buFont typeface="Wingdings 3" charset="2"/>
+              <a:buChar char=""/>
+              <a:defRPr sz="1600" kern="1200">
+                <a:solidFill>
+                  <a:schemeClr val="tx1">
+                    <a:lumMod val="75000"/>
+                    <a:lumOff val="25000"/>
+                  </a:schemeClr>
+                </a:solidFill>
+                <a:latin typeface="+mn-lt"/>
+                <a:ea typeface="+mn-ea"/>
+                <a:cs typeface="+mn-cs"/>
+              </a:defRPr>
+            </a:lvl2pPr>
+            <a:lvl3pPr marL="1143000" indent="-228600" algn="l" defTabSz="457200" rtl="0" eaLnBrk="1" latinLnBrk="0" hangingPunct="1">
+              <a:spcBef>
+                <a:spcPts val="1000"/>
+              </a:spcBef>
+              <a:spcAft>
+                <a:spcPts val="0"/>
+              </a:spcAft>
+              <a:buClr>
+                <a:schemeClr val="accent1"/>
+              </a:buClr>
+              <a:buSzPct val="80000"/>
+              <a:buFont typeface="Wingdings 3" charset="2"/>
+              <a:buChar char=""/>
+              <a:defRPr sz="1400" kern="1200">
+                <a:solidFill>
+                  <a:schemeClr val="tx1">
+                    <a:lumMod val="75000"/>
+                    <a:lumOff val="25000"/>
+                  </a:schemeClr>
+                </a:solidFill>
+                <a:latin typeface="+mn-lt"/>
+                <a:ea typeface="+mn-ea"/>
+                <a:cs typeface="+mn-cs"/>
+              </a:defRPr>
+            </a:lvl3pPr>
+            <a:lvl4pPr marL="1600200" indent="-228600" algn="l" defTabSz="457200" rtl="0" eaLnBrk="1" latinLnBrk="0" hangingPunct="1">
+              <a:spcBef>
+                <a:spcPts val="1000"/>
+              </a:spcBef>
+              <a:spcAft>
+                <a:spcPts val="0"/>
+              </a:spcAft>
+              <a:buClr>
+                <a:schemeClr val="accent1"/>
+              </a:buClr>
+              <a:buSzPct val="80000"/>
+              <a:buFont typeface="Wingdings 3" charset="2"/>
+              <a:buChar char=""/>
+              <a:defRPr sz="1200" kern="1200">
+                <a:solidFill>
+                  <a:schemeClr val="tx1">
+                    <a:lumMod val="75000"/>
+                    <a:lumOff val="25000"/>
+                  </a:schemeClr>
+                </a:solidFill>
+                <a:latin typeface="+mn-lt"/>
+                <a:ea typeface="+mn-ea"/>
+                <a:cs typeface="+mn-cs"/>
+              </a:defRPr>
+            </a:lvl4pPr>
+            <a:lvl5pPr marL="2057400" indent="-228600" algn="l" defTabSz="457200" rtl="0" eaLnBrk="1" latinLnBrk="0" hangingPunct="1">
+              <a:spcBef>
+                <a:spcPts val="1000"/>
+              </a:spcBef>
+              <a:spcAft>
+                <a:spcPts val="0"/>
+              </a:spcAft>
+              <a:buClr>
+                <a:schemeClr val="accent1"/>
+              </a:buClr>
+              <a:buSzPct val="80000"/>
+              <a:buFont typeface="Wingdings 3" charset="2"/>
+              <a:buChar char=""/>
+              <a:defRPr sz="1200" kern="1200">
+                <a:solidFill>
+                  <a:schemeClr val="tx1">
+                    <a:lumMod val="75000"/>
+                    <a:lumOff val="25000"/>
+                  </a:schemeClr>
+                </a:solidFill>
+                <a:latin typeface="+mn-lt"/>
+                <a:ea typeface="+mn-ea"/>
+                <a:cs typeface="+mn-cs"/>
+              </a:defRPr>
+            </a:lvl5pPr>
+            <a:lvl6pPr marL="2514600" indent="-228600" algn="l" defTabSz="457200" rtl="0" eaLnBrk="1" latinLnBrk="0" hangingPunct="1">
+              <a:spcBef>
+                <a:spcPts val="1000"/>
+              </a:spcBef>
+              <a:spcAft>
+                <a:spcPts val="0"/>
+              </a:spcAft>
+              <a:buClr>
+                <a:schemeClr val="accent1"/>
+              </a:buClr>
+              <a:buSzPct val="80000"/>
+              <a:buFont typeface="Wingdings 3" charset="2"/>
+              <a:buChar char=""/>
+              <a:defRPr sz="1200" kern="1200">
+                <a:solidFill>
+                  <a:schemeClr val="tx1">
+                    <a:lumMod val="75000"/>
+                    <a:lumOff val="25000"/>
+                  </a:schemeClr>
+                </a:solidFill>
+                <a:latin typeface="+mn-lt"/>
+                <a:ea typeface="+mn-ea"/>
+                <a:cs typeface="+mn-cs"/>
+              </a:defRPr>
+            </a:lvl6pPr>
+            <a:lvl7pPr marL="2971800" indent="-228600" algn="l" defTabSz="457200" rtl="0" eaLnBrk="1" latinLnBrk="0" hangingPunct="1">
+              <a:spcBef>
+                <a:spcPts val="1000"/>
+              </a:spcBef>
+              <a:spcAft>
+                <a:spcPts val="0"/>
+              </a:spcAft>
+              <a:buClr>
+                <a:schemeClr val="accent1"/>
+              </a:buClr>
+              <a:buSzPct val="80000"/>
+              <a:buFont typeface="Wingdings 3" charset="2"/>
+              <a:buChar char=""/>
+              <a:defRPr sz="1200" kern="1200">
+                <a:solidFill>
+                  <a:schemeClr val="tx1">
+                    <a:lumMod val="75000"/>
+                    <a:lumOff val="25000"/>
+                  </a:schemeClr>
+                </a:solidFill>
+                <a:latin typeface="+mn-lt"/>
+                <a:ea typeface="+mn-ea"/>
+                <a:cs typeface="+mn-cs"/>
+              </a:defRPr>
+            </a:lvl7pPr>
+            <a:lvl8pPr marL="3429000" indent="-228600" algn="l" defTabSz="457200" rtl="0" eaLnBrk="1" latinLnBrk="0" hangingPunct="1">
+              <a:spcBef>
+                <a:spcPts val="1000"/>
+              </a:spcBef>
+              <a:spcAft>
+                <a:spcPts val="0"/>
+              </a:spcAft>
+              <a:buClr>
+                <a:schemeClr val="accent1"/>
+              </a:buClr>
+              <a:buSzPct val="80000"/>
+              <a:buFont typeface="Wingdings 3" charset="2"/>
+              <a:buChar char=""/>
+              <a:defRPr sz="1200" kern="1200">
+                <a:solidFill>
+                  <a:schemeClr val="tx1">
+                    <a:lumMod val="75000"/>
+                    <a:lumOff val="25000"/>
+                  </a:schemeClr>
+                </a:solidFill>
+                <a:latin typeface="+mn-lt"/>
+                <a:ea typeface="+mn-ea"/>
+                <a:cs typeface="+mn-cs"/>
+              </a:defRPr>
+            </a:lvl8pPr>
+            <a:lvl9pPr marL="3886200" indent="-228600" algn="l" defTabSz="457200" rtl="0" eaLnBrk="1" latinLnBrk="0" hangingPunct="1">
+              <a:spcBef>
+                <a:spcPts val="1000"/>
+              </a:spcBef>
+              <a:spcAft>
+                <a:spcPts val="0"/>
+              </a:spcAft>
+              <a:buClr>
+                <a:schemeClr val="accent1"/>
+              </a:buClr>
+              <a:buSzPct val="80000"/>
+              <a:buFont typeface="Wingdings 3" charset="2"/>
+              <a:buChar char=""/>
+              <a:defRPr sz="1200" kern="1200">
+                <a:solidFill>
+                  <a:schemeClr val="tx1">
+                    <a:lumMod val="75000"/>
+                    <a:lumOff val="25000"/>
+                  </a:schemeClr>
+                </a:solidFill>
+                <a:latin typeface="+mn-lt"/>
+                <a:ea typeface="+mn-ea"/>
+                <a:cs typeface="+mn-cs"/>
+              </a:defRPr>
+            </a:lvl9pPr>
+          </a:lstStyle>
+          <a:p>
+            <a:endParaRPr lang="en-US" dirty="0"/>
+          </a:p>
+        </p:txBody>
+      </p:sp>
+      <p:pic>
+        <p:nvPicPr>
+          <p:cNvPr id="3" name="Picture 2">
+            <a:extLst>
+              <a:ext uri="{FF2B5EF4-FFF2-40B4-BE49-F238E27FC236}">
+                <a16:creationId xmlns:a16="http://schemas.microsoft.com/office/drawing/2014/main" id="{6E33A380-6FB1-4201-AA3E-65AE90A99867}"/>
+              </a:ext>
+            </a:extLst>
+          </p:cNvPr>
+          <p:cNvPicPr>
+            <a:picLocks noChangeAspect="1"/>
+          </p:cNvPicPr>
+          <p:nvPr/>
+        </p:nvPicPr>
+        <p:blipFill>
+          <a:blip r:embed="rId3"/>
+          <a:stretch>
+            <a:fillRect/>
+          </a:stretch>
+        </p:blipFill>
+        <p:spPr>
+          <a:xfrm>
+            <a:off x="1268632" y="1078296"/>
+            <a:ext cx="7153275" cy="2914650"/>
+          </a:xfrm>
+          <a:prstGeom prst="rect">
+            <a:avLst/>
+          </a:prstGeom>
+        </p:spPr>
+      </p:pic>
+      <p:pic>
+        <p:nvPicPr>
+          <p:cNvPr id="5" name="Picture 4">
+            <a:extLst>
+              <a:ext uri="{FF2B5EF4-FFF2-40B4-BE49-F238E27FC236}">
+                <a16:creationId xmlns:a16="http://schemas.microsoft.com/office/drawing/2014/main" id="{B8D4B948-F3BC-4345-83A0-F10C856DDE1C}"/>
+              </a:ext>
+            </a:extLst>
+          </p:cNvPr>
+          <p:cNvPicPr>
+            <a:picLocks noChangeAspect="1"/>
+          </p:cNvPicPr>
+          <p:nvPr/>
+        </p:nvPicPr>
+        <p:blipFill>
+          <a:blip r:embed="rId4"/>
+          <a:stretch>
+            <a:fillRect/>
+          </a:stretch>
+        </p:blipFill>
+        <p:spPr>
+          <a:xfrm>
+            <a:off x="1268632" y="3992946"/>
+            <a:ext cx="7191375" cy="2543175"/>
+          </a:xfrm>
+          <a:prstGeom prst="rect">
+            <a:avLst/>
+          </a:prstGeom>
+        </p:spPr>
+      </p:pic>
+    </p:spTree>
+    <p:extLst>
+      <p:ext uri="{BB962C8B-B14F-4D97-AF65-F5344CB8AC3E}">
+        <p14:creationId xmlns:p14="http://schemas.microsoft.com/office/powerpoint/2010/main" val="3849248872"/>
       </p:ext>
     </p:extLst>
   </p:cSld>
